--- a/files/teaching-resources/monmouthcollege-econ-301/econ-301-s2024/econ-301-s2024-quiz/ECON301-S2024-Q01-RECAP.pptx
+++ b/files/teaching-resources/monmouthcollege-econ-301/econ-301-s2024/econ-301-s2024-quiz/ECON301-S2024-Q01-RECAP.pptx
@@ -5,26 +5,27 @@
     <p:sldMasterId id="2147483720" r:id="rId1"/>
   </p:sldMasterIdLst>
   <p:notesMasterIdLst>
-    <p:notesMasterId r:id="rId19"/>
+    <p:notesMasterId r:id="rId20"/>
   </p:notesMasterIdLst>
   <p:sldIdLst>
     <p:sldId id="256" r:id="rId2"/>
-    <p:sldId id="273" r:id="rId3"/>
-    <p:sldId id="275" r:id="rId4"/>
-    <p:sldId id="276" r:id="rId5"/>
-    <p:sldId id="277" r:id="rId6"/>
-    <p:sldId id="278" r:id="rId7"/>
-    <p:sldId id="279" r:id="rId8"/>
-    <p:sldId id="280" r:id="rId9"/>
-    <p:sldId id="282" r:id="rId10"/>
-    <p:sldId id="289" r:id="rId11"/>
-    <p:sldId id="281" r:id="rId12"/>
-    <p:sldId id="283" r:id="rId13"/>
-    <p:sldId id="284" r:id="rId14"/>
-    <p:sldId id="285" r:id="rId15"/>
-    <p:sldId id="291" r:id="rId16"/>
-    <p:sldId id="287" r:id="rId17"/>
-    <p:sldId id="288" r:id="rId18"/>
+    <p:sldId id="292" r:id="rId3"/>
+    <p:sldId id="273" r:id="rId4"/>
+    <p:sldId id="275" r:id="rId5"/>
+    <p:sldId id="276" r:id="rId6"/>
+    <p:sldId id="277" r:id="rId7"/>
+    <p:sldId id="278" r:id="rId8"/>
+    <p:sldId id="279" r:id="rId9"/>
+    <p:sldId id="280" r:id="rId10"/>
+    <p:sldId id="282" r:id="rId11"/>
+    <p:sldId id="289" r:id="rId12"/>
+    <p:sldId id="281" r:id="rId13"/>
+    <p:sldId id="283" r:id="rId14"/>
+    <p:sldId id="284" r:id="rId15"/>
+    <p:sldId id="285" r:id="rId16"/>
+    <p:sldId id="291" r:id="rId17"/>
+    <p:sldId id="287" r:id="rId18"/>
+    <p:sldId id="288" r:id="rId19"/>
   </p:sldIdLst>
   <p:sldSz cx="9144000" cy="6858000" type="screen4x3"/>
   <p:notesSz cx="6858000" cy="9144000"/>
@@ -4277,6 +4278,1202 @@
         <p:cNvPr id="1" name="">
           <a:extLst>
             <a:ext uri="{FF2B5EF4-FFF2-40B4-BE49-F238E27FC236}">
+              <a16:creationId xmlns:a16="http://schemas.microsoft.com/office/drawing/2014/main" id="{CFBFD6D7-504A-A71B-E113-924A2AF796F2}"/>
+            </a:ext>
+          </a:extLst>
+        </p:cNvPr>
+        <p:cNvGrpSpPr/>
+        <p:nvPr/>
+      </p:nvGrpSpPr>
+      <p:grpSpPr>
+        <a:xfrm>
+          <a:off x="0" y="0"/>
+          <a:ext cx="0" cy="0"/>
+          <a:chOff x="0" y="0"/>
+          <a:chExt cx="0" cy="0"/>
+        </a:xfrm>
+      </p:grpSpPr>
+      <p:sp>
+        <p:nvSpPr>
+          <p:cNvPr id="2" name="Title 1">
+            <a:extLst>
+              <a:ext uri="{FF2B5EF4-FFF2-40B4-BE49-F238E27FC236}">
+                <a16:creationId xmlns:a16="http://schemas.microsoft.com/office/drawing/2014/main" id="{26743ECA-97E2-9D6C-5BC9-050724BE8437}"/>
+              </a:ext>
+            </a:extLst>
+          </p:cNvPr>
+          <p:cNvSpPr>
+            <a:spLocks noGrp="1"/>
+          </p:cNvSpPr>
+          <p:nvPr>
+            <p:ph type="title"/>
+          </p:nvPr>
+        </p:nvSpPr>
+        <p:spPr/>
+        <p:txBody>
+          <a:bodyPr/>
+          <a:lstStyle/>
+          <a:p>
+            <a:r>
+              <a:rPr lang="en-US" dirty="0"/>
+              <a:t>Problem 3.A.</a:t>
+            </a:r>
+          </a:p>
+        </p:txBody>
+      </p:sp>
+      <mc:AlternateContent xmlns:mc="http://schemas.openxmlformats.org/markup-compatibility/2006" xmlns:a14="http://schemas.microsoft.com/office/drawing/2010/main">
+        <mc:Choice Requires="a14">
+          <p:sp>
+            <p:nvSpPr>
+              <p:cNvPr id="3" name="Content Placeholder 2">
+                <a:extLst>
+                  <a:ext uri="{FF2B5EF4-FFF2-40B4-BE49-F238E27FC236}">
+                    <a16:creationId xmlns:a16="http://schemas.microsoft.com/office/drawing/2014/main" id="{FF9DCFEA-CAC2-155E-0646-2A1CFB62CB30}"/>
+                  </a:ext>
+                </a:extLst>
+              </p:cNvPr>
+              <p:cNvSpPr>
+                <a:spLocks noGrp="1"/>
+              </p:cNvSpPr>
+              <p:nvPr>
+                <p:ph idx="1"/>
+              </p:nvPr>
+            </p:nvSpPr>
+            <p:spPr/>
+            <p:txBody>
+              <a:bodyPr>
+                <a:normAutofit/>
+              </a:bodyPr>
+              <a:lstStyle/>
+              <a:p>
+                <a:r>
+                  <a:rPr lang="en-US" dirty="0"/>
+                  <a:t>Using the terms given below, show how one would derive the equilibrium output of the economy.</a:t>
+                </a:r>
+              </a:p>
+              <a:p>
+                <a:endParaRPr lang="en-US" sz="500" dirty="0"/>
+              </a:p>
+              <a:p>
+                <a:pPr lvl="1"/>
+                <a:r>
+                  <a:rPr lang="en-US" sz="2200" dirty="0">
+                    <a:solidFill>
+                      <a:srgbClr val="FF0000"/>
+                    </a:solidFill>
+                  </a:rPr>
+                  <a:t>Start off with the condition for an equilibrium, that output equals demand.</a:t>
+                </a:r>
+              </a:p>
+              <a:p>
+                <a:pPr marL="0" indent="0">
+                  <a:buNone/>
+                </a:pPr>
+                <a:r>
+                  <a:rPr lang="en-US" b="0" dirty="0"/>
+                  <a:t>		</a:t>
+                </a:r>
+                <a14:m>
+                  <m:oMath xmlns:m="http://schemas.openxmlformats.org/officeDocument/2006/math">
+                    <m:r>
+                      <a:rPr lang="en-US" sz="2000" b="0" i="1" smtClean="0">
+                        <a:solidFill>
+                          <a:srgbClr val="FF0000"/>
+                        </a:solidFill>
+                        <a:latin typeface="Cambria Math" panose="02040503050406030204" pitchFamily="18" charset="0"/>
+                      </a:rPr>
+                      <m:t>𝑌</m:t>
+                    </m:r>
+                    <m:r>
+                      <a:rPr lang="en-US" sz="2000" b="0" i="1" smtClean="0">
+                        <a:solidFill>
+                          <a:srgbClr val="FF0000"/>
+                        </a:solidFill>
+                        <a:latin typeface="Cambria Math" panose="02040503050406030204" pitchFamily="18" charset="0"/>
+                      </a:rPr>
+                      <m:t>=</m:t>
+                    </m:r>
+                    <m:r>
+                      <a:rPr lang="en-US" sz="2000" b="0" i="1" smtClean="0">
+                        <a:solidFill>
+                          <a:srgbClr val="FF0000"/>
+                        </a:solidFill>
+                        <a:latin typeface="Cambria Math" panose="02040503050406030204" pitchFamily="18" charset="0"/>
+                      </a:rPr>
+                      <m:t>𝑍</m:t>
+                    </m:r>
+                  </m:oMath>
+                </a14:m>
+                <a:endParaRPr lang="en-US" sz="2000" dirty="0">
+                  <a:solidFill>
+                    <a:srgbClr val="FF0000"/>
+                  </a:solidFill>
+                </a:endParaRPr>
+              </a:p>
+              <a:p>
+                <a:pPr marL="0" indent="0">
+                  <a:buNone/>
+                </a:pPr>
+                <a:r>
+                  <a:rPr lang="en-US" sz="2000" dirty="0">
+                    <a:solidFill>
+                      <a:srgbClr val="FF0000"/>
+                    </a:solidFill>
+                  </a:rPr>
+                  <a:t>		    </a:t>
+                </a:r>
+                <a14:m>
+                  <m:oMath xmlns:m="http://schemas.openxmlformats.org/officeDocument/2006/math">
+                    <m:r>
+                      <a:rPr lang="en-US" sz="2000" i="1">
+                        <a:solidFill>
+                          <a:srgbClr val="FF0000"/>
+                        </a:solidFill>
+                        <a:latin typeface="Cambria Math" panose="02040503050406030204" pitchFamily="18" charset="0"/>
+                      </a:rPr>
+                      <m:t>=</m:t>
+                    </m:r>
+                    <m:r>
+                      <a:rPr lang="en-US" sz="2000" b="0" i="1" smtClean="0">
+                        <a:solidFill>
+                          <a:srgbClr val="FF0000"/>
+                        </a:solidFill>
+                        <a:latin typeface="Cambria Math" panose="02040503050406030204" pitchFamily="18" charset="0"/>
+                      </a:rPr>
+                      <m:t>𝐶</m:t>
+                    </m:r>
+                    <m:r>
+                      <a:rPr lang="en-US" sz="2000" b="0" i="1" smtClean="0">
+                        <a:solidFill>
+                          <a:srgbClr val="FF0000"/>
+                        </a:solidFill>
+                        <a:latin typeface="Cambria Math" panose="02040503050406030204" pitchFamily="18" charset="0"/>
+                      </a:rPr>
+                      <m:t>+</m:t>
+                    </m:r>
+                    <m:r>
+                      <a:rPr lang="en-US" sz="2000" b="0" i="1" smtClean="0">
+                        <a:solidFill>
+                          <a:srgbClr val="FF0000"/>
+                        </a:solidFill>
+                        <a:latin typeface="Cambria Math" panose="02040503050406030204" pitchFamily="18" charset="0"/>
+                      </a:rPr>
+                      <m:t>𝐼</m:t>
+                    </m:r>
+                    <m:r>
+                      <a:rPr lang="en-US" sz="2000" b="0" i="1" smtClean="0">
+                        <a:solidFill>
+                          <a:srgbClr val="FF0000"/>
+                        </a:solidFill>
+                        <a:latin typeface="Cambria Math" panose="02040503050406030204" pitchFamily="18" charset="0"/>
+                      </a:rPr>
+                      <m:t>+</m:t>
+                    </m:r>
+                    <m:r>
+                      <a:rPr lang="en-US" sz="2000" b="0" i="1" smtClean="0">
+                        <a:solidFill>
+                          <a:srgbClr val="FF0000"/>
+                        </a:solidFill>
+                        <a:latin typeface="Cambria Math" panose="02040503050406030204" pitchFamily="18" charset="0"/>
+                      </a:rPr>
+                      <m:t>𝐺</m:t>
+                    </m:r>
+                  </m:oMath>
+                </a14:m>
+                <a:endParaRPr lang="en-US" sz="2000" dirty="0">
+                  <a:solidFill>
+                    <a:srgbClr val="FF0000"/>
+                  </a:solidFill>
+                </a:endParaRPr>
+              </a:p>
+              <a:p>
+                <a:pPr marL="0" indent="0">
+                  <a:buNone/>
+                </a:pPr>
+                <a:r>
+                  <a:rPr lang="en-US" sz="2000" dirty="0">
+                    <a:solidFill>
+                      <a:srgbClr val="FF0000"/>
+                    </a:solidFill>
+                  </a:rPr>
+                  <a:t>		    </a:t>
+                </a:r>
+                <a14:m>
+                  <m:oMath xmlns:m="http://schemas.openxmlformats.org/officeDocument/2006/math">
+                    <m:r>
+                      <a:rPr lang="en-US" sz="2000" i="1">
+                        <a:solidFill>
+                          <a:srgbClr val="FF0000"/>
+                        </a:solidFill>
+                        <a:latin typeface="Cambria Math" panose="02040503050406030204" pitchFamily="18" charset="0"/>
+                      </a:rPr>
+                      <m:t>=</m:t>
+                    </m:r>
+                    <m:d>
+                      <m:dPr>
+                        <m:ctrlPr>
+                          <a:rPr lang="en-US" sz="2000" b="0" i="1" smtClean="0">
+                            <a:solidFill>
+                              <a:srgbClr val="FF0000"/>
+                            </a:solidFill>
+                            <a:latin typeface="Cambria Math" panose="02040503050406030204" pitchFamily="18" charset="0"/>
+                          </a:rPr>
+                        </m:ctrlPr>
+                      </m:dPr>
+                      <m:e>
+                        <m:sSub>
+                          <m:sSubPr>
+                            <m:ctrlPr>
+                              <a:rPr lang="en-US" sz="2000" b="0" i="1" smtClean="0">
+                                <a:solidFill>
+                                  <a:srgbClr val="FF0000"/>
+                                </a:solidFill>
+                                <a:latin typeface="Cambria Math" panose="02040503050406030204" pitchFamily="18" charset="0"/>
+                              </a:rPr>
+                            </m:ctrlPr>
+                          </m:sSubPr>
+                          <m:e>
+                            <m:r>
+                              <a:rPr lang="en-US" sz="2000" b="0" i="1" smtClean="0">
+                                <a:solidFill>
+                                  <a:srgbClr val="FF0000"/>
+                                </a:solidFill>
+                                <a:latin typeface="Cambria Math" panose="02040503050406030204" pitchFamily="18" charset="0"/>
+                              </a:rPr>
+                              <m:t>𝑐</m:t>
+                            </m:r>
+                          </m:e>
+                          <m:sub>
+                            <m:r>
+                              <a:rPr lang="en-US" sz="2000" b="0" i="1" smtClean="0">
+                                <a:solidFill>
+                                  <a:srgbClr val="FF0000"/>
+                                </a:solidFill>
+                                <a:latin typeface="Cambria Math" panose="02040503050406030204" pitchFamily="18" charset="0"/>
+                              </a:rPr>
+                              <m:t>0</m:t>
+                            </m:r>
+                          </m:sub>
+                        </m:sSub>
+                        <m:r>
+                          <a:rPr lang="en-US" sz="2000" b="0" i="1" smtClean="0">
+                            <a:solidFill>
+                              <a:srgbClr val="FF0000"/>
+                            </a:solidFill>
+                            <a:latin typeface="Cambria Math" panose="02040503050406030204" pitchFamily="18" charset="0"/>
+                          </a:rPr>
+                          <m:t>+</m:t>
+                        </m:r>
+                        <m:sSub>
+                          <m:sSubPr>
+                            <m:ctrlPr>
+                              <a:rPr lang="en-US" sz="2000" b="0" i="1" smtClean="0">
+                                <a:solidFill>
+                                  <a:srgbClr val="FF0000"/>
+                                </a:solidFill>
+                                <a:latin typeface="Cambria Math" panose="02040503050406030204" pitchFamily="18" charset="0"/>
+                              </a:rPr>
+                            </m:ctrlPr>
+                          </m:sSubPr>
+                          <m:e>
+                            <m:r>
+                              <a:rPr lang="en-US" sz="2000" b="0" i="1" smtClean="0">
+                                <a:solidFill>
+                                  <a:srgbClr val="FF0000"/>
+                                </a:solidFill>
+                                <a:latin typeface="Cambria Math" panose="02040503050406030204" pitchFamily="18" charset="0"/>
+                              </a:rPr>
+                              <m:t>𝑐</m:t>
+                            </m:r>
+                          </m:e>
+                          <m:sub>
+                            <m:r>
+                              <a:rPr lang="en-US" sz="2000" b="0" i="1" smtClean="0">
+                                <a:solidFill>
+                                  <a:srgbClr val="FF0000"/>
+                                </a:solidFill>
+                                <a:latin typeface="Cambria Math" panose="02040503050406030204" pitchFamily="18" charset="0"/>
+                              </a:rPr>
+                              <m:t>1</m:t>
+                            </m:r>
+                          </m:sub>
+                        </m:sSub>
+                        <m:d>
+                          <m:dPr>
+                            <m:ctrlPr>
+                              <a:rPr lang="en-US" sz="2000" b="0" i="1" smtClean="0">
+                                <a:solidFill>
+                                  <a:srgbClr val="FF0000"/>
+                                </a:solidFill>
+                                <a:latin typeface="Cambria Math" panose="02040503050406030204" pitchFamily="18" charset="0"/>
+                              </a:rPr>
+                            </m:ctrlPr>
+                          </m:dPr>
+                          <m:e>
+                            <m:r>
+                              <a:rPr lang="en-US" sz="2000" b="0" i="1" smtClean="0">
+                                <a:solidFill>
+                                  <a:srgbClr val="FF0000"/>
+                                </a:solidFill>
+                                <a:latin typeface="Cambria Math" panose="02040503050406030204" pitchFamily="18" charset="0"/>
+                              </a:rPr>
+                              <m:t>𝑌</m:t>
+                            </m:r>
+                            <m:r>
+                              <a:rPr lang="en-US" sz="2000" b="0" i="1" smtClean="0">
+                                <a:solidFill>
+                                  <a:srgbClr val="FF0000"/>
+                                </a:solidFill>
+                                <a:latin typeface="Cambria Math" panose="02040503050406030204" pitchFamily="18" charset="0"/>
+                              </a:rPr>
+                              <m:t>−</m:t>
+                            </m:r>
+                            <m:r>
+                              <a:rPr lang="en-US" sz="2000" b="0" i="1" smtClean="0">
+                                <a:solidFill>
+                                  <a:srgbClr val="FF0000"/>
+                                </a:solidFill>
+                                <a:latin typeface="Cambria Math" panose="02040503050406030204" pitchFamily="18" charset="0"/>
+                              </a:rPr>
+                              <m:t>𝑇</m:t>
+                            </m:r>
+                          </m:e>
+                        </m:d>
+                      </m:e>
+                    </m:d>
+                    <m:r>
+                      <a:rPr lang="en-US" sz="2000" i="1">
+                        <a:solidFill>
+                          <a:srgbClr val="FF0000"/>
+                        </a:solidFill>
+                        <a:latin typeface="Cambria Math" panose="02040503050406030204" pitchFamily="18" charset="0"/>
+                      </a:rPr>
+                      <m:t>+</m:t>
+                    </m:r>
+                    <m:acc>
+                      <m:accPr>
+                        <m:chr m:val="̅"/>
+                        <m:ctrlPr>
+                          <a:rPr lang="en-US" sz="2000" b="0" i="1" smtClean="0">
+                            <a:solidFill>
+                              <a:srgbClr val="FF0000"/>
+                            </a:solidFill>
+                            <a:latin typeface="Cambria Math" panose="02040503050406030204" pitchFamily="18" charset="0"/>
+                          </a:rPr>
+                        </m:ctrlPr>
+                      </m:accPr>
+                      <m:e>
+                        <m:r>
+                          <a:rPr lang="en-US" sz="2000" b="0" i="1" smtClean="0">
+                            <a:solidFill>
+                              <a:srgbClr val="FF0000"/>
+                            </a:solidFill>
+                            <a:latin typeface="Cambria Math" panose="02040503050406030204" pitchFamily="18" charset="0"/>
+                          </a:rPr>
+                          <m:t>𝐼</m:t>
+                        </m:r>
+                      </m:e>
+                    </m:acc>
+                    <m:r>
+                      <a:rPr lang="en-US" sz="2000" i="1">
+                        <a:solidFill>
+                          <a:srgbClr val="FF0000"/>
+                        </a:solidFill>
+                        <a:latin typeface="Cambria Math" panose="02040503050406030204" pitchFamily="18" charset="0"/>
+                      </a:rPr>
+                      <m:t>+</m:t>
+                    </m:r>
+                    <m:r>
+                      <a:rPr lang="en-US" sz="2000" i="1">
+                        <a:solidFill>
+                          <a:srgbClr val="FF0000"/>
+                        </a:solidFill>
+                        <a:latin typeface="Cambria Math" panose="02040503050406030204" pitchFamily="18" charset="0"/>
+                      </a:rPr>
+                      <m:t>𝐺</m:t>
+                    </m:r>
+                  </m:oMath>
+                </a14:m>
+                <a:endParaRPr lang="en-US" sz="2000" dirty="0">
+                  <a:solidFill>
+                    <a:srgbClr val="FF0000"/>
+                  </a:solidFill>
+                </a:endParaRPr>
+              </a:p>
+              <a:p>
+                <a:pPr marL="0" indent="0">
+                  <a:buNone/>
+                </a:pPr>
+                <a:r>
+                  <a:rPr lang="en-US" sz="2000" dirty="0">
+                    <a:solidFill>
+                      <a:srgbClr val="FF0000"/>
+                    </a:solidFill>
+                  </a:rPr>
+                  <a:t>		    </a:t>
+                </a:r>
+                <a14:m>
+                  <m:oMath xmlns:m="http://schemas.openxmlformats.org/officeDocument/2006/math">
+                    <m:r>
+                      <a:rPr lang="en-US" sz="2000" i="1">
+                        <a:solidFill>
+                          <a:srgbClr val="FF0000"/>
+                        </a:solidFill>
+                        <a:latin typeface="Cambria Math" panose="02040503050406030204" pitchFamily="18" charset="0"/>
+                      </a:rPr>
+                      <m:t>=</m:t>
+                    </m:r>
+                    <m:sSub>
+                      <m:sSubPr>
+                        <m:ctrlPr>
+                          <a:rPr lang="en-US" sz="2000" b="0" i="1" smtClean="0">
+                            <a:solidFill>
+                              <a:srgbClr val="FF0000"/>
+                            </a:solidFill>
+                            <a:latin typeface="Cambria Math" panose="02040503050406030204" pitchFamily="18" charset="0"/>
+                          </a:rPr>
+                        </m:ctrlPr>
+                      </m:sSubPr>
+                      <m:e>
+                        <m:r>
+                          <a:rPr lang="en-US" sz="2000" b="0" i="1" smtClean="0">
+                            <a:solidFill>
+                              <a:srgbClr val="FF0000"/>
+                            </a:solidFill>
+                            <a:latin typeface="Cambria Math" panose="02040503050406030204" pitchFamily="18" charset="0"/>
+                          </a:rPr>
+                          <m:t>𝑐</m:t>
+                        </m:r>
+                      </m:e>
+                      <m:sub>
+                        <m:r>
+                          <a:rPr lang="en-US" sz="2000" b="0" i="1" smtClean="0">
+                            <a:solidFill>
+                              <a:srgbClr val="FF0000"/>
+                            </a:solidFill>
+                            <a:latin typeface="Cambria Math" panose="02040503050406030204" pitchFamily="18" charset="0"/>
+                          </a:rPr>
+                          <m:t>0</m:t>
+                        </m:r>
+                      </m:sub>
+                    </m:sSub>
+                    <m:r>
+                      <a:rPr lang="en-US" sz="2000" b="0" i="1" smtClean="0">
+                        <a:solidFill>
+                          <a:srgbClr val="FF0000"/>
+                        </a:solidFill>
+                        <a:latin typeface="Cambria Math" panose="02040503050406030204" pitchFamily="18" charset="0"/>
+                      </a:rPr>
+                      <m:t>+</m:t>
+                    </m:r>
+                    <m:sSub>
+                      <m:sSubPr>
+                        <m:ctrlPr>
+                          <a:rPr lang="en-US" sz="2000" b="0" i="1" smtClean="0">
+                            <a:solidFill>
+                              <a:srgbClr val="FF0000"/>
+                            </a:solidFill>
+                            <a:latin typeface="Cambria Math" panose="02040503050406030204" pitchFamily="18" charset="0"/>
+                          </a:rPr>
+                        </m:ctrlPr>
+                      </m:sSubPr>
+                      <m:e>
+                        <m:r>
+                          <a:rPr lang="en-US" sz="2000" b="0" i="1" smtClean="0">
+                            <a:solidFill>
+                              <a:srgbClr val="FF0000"/>
+                            </a:solidFill>
+                            <a:latin typeface="Cambria Math" panose="02040503050406030204" pitchFamily="18" charset="0"/>
+                          </a:rPr>
+                          <m:t>𝑐</m:t>
+                        </m:r>
+                      </m:e>
+                      <m:sub>
+                        <m:r>
+                          <a:rPr lang="en-US" sz="2000" b="0" i="1" smtClean="0">
+                            <a:solidFill>
+                              <a:srgbClr val="FF0000"/>
+                            </a:solidFill>
+                            <a:latin typeface="Cambria Math" panose="02040503050406030204" pitchFamily="18" charset="0"/>
+                          </a:rPr>
+                          <m:t>1</m:t>
+                        </m:r>
+                      </m:sub>
+                    </m:sSub>
+                    <m:r>
+                      <a:rPr lang="en-US" sz="2000" b="0" i="1" smtClean="0">
+                        <a:solidFill>
+                          <a:srgbClr val="FF0000"/>
+                        </a:solidFill>
+                        <a:latin typeface="Cambria Math" panose="02040503050406030204" pitchFamily="18" charset="0"/>
+                      </a:rPr>
+                      <m:t>𝑌</m:t>
+                    </m:r>
+                    <m:r>
+                      <a:rPr lang="en-US" sz="2000" b="0" i="1" smtClean="0">
+                        <a:solidFill>
+                          <a:srgbClr val="FF0000"/>
+                        </a:solidFill>
+                        <a:latin typeface="Cambria Math" panose="02040503050406030204" pitchFamily="18" charset="0"/>
+                      </a:rPr>
+                      <m:t>−</m:t>
+                    </m:r>
+                    <m:sSub>
+                      <m:sSubPr>
+                        <m:ctrlPr>
+                          <a:rPr lang="en-US" sz="2000" b="0" i="1" smtClean="0">
+                            <a:solidFill>
+                              <a:srgbClr val="FF0000"/>
+                            </a:solidFill>
+                            <a:latin typeface="Cambria Math" panose="02040503050406030204" pitchFamily="18" charset="0"/>
+                          </a:rPr>
+                        </m:ctrlPr>
+                      </m:sSubPr>
+                      <m:e>
+                        <m:r>
+                          <a:rPr lang="en-US" sz="2000" b="0" i="1" smtClean="0">
+                            <a:solidFill>
+                              <a:srgbClr val="FF0000"/>
+                            </a:solidFill>
+                            <a:latin typeface="Cambria Math" panose="02040503050406030204" pitchFamily="18" charset="0"/>
+                          </a:rPr>
+                          <m:t>𝑐</m:t>
+                        </m:r>
+                      </m:e>
+                      <m:sub>
+                        <m:r>
+                          <a:rPr lang="en-US" sz="2000" b="0" i="1" smtClean="0">
+                            <a:solidFill>
+                              <a:srgbClr val="FF0000"/>
+                            </a:solidFill>
+                            <a:latin typeface="Cambria Math" panose="02040503050406030204" pitchFamily="18" charset="0"/>
+                          </a:rPr>
+                          <m:t>1</m:t>
+                        </m:r>
+                      </m:sub>
+                    </m:sSub>
+                    <m:r>
+                      <a:rPr lang="en-US" sz="2000" b="0" i="1" smtClean="0">
+                        <a:solidFill>
+                          <a:srgbClr val="FF0000"/>
+                        </a:solidFill>
+                        <a:latin typeface="Cambria Math" panose="02040503050406030204" pitchFamily="18" charset="0"/>
+                      </a:rPr>
+                      <m:t>𝑇</m:t>
+                    </m:r>
+                    <m:r>
+                      <a:rPr lang="en-US" sz="2000" i="1">
+                        <a:solidFill>
+                          <a:srgbClr val="FF0000"/>
+                        </a:solidFill>
+                        <a:latin typeface="Cambria Math" panose="02040503050406030204" pitchFamily="18" charset="0"/>
+                      </a:rPr>
+                      <m:t>+</m:t>
+                    </m:r>
+                    <m:acc>
+                      <m:accPr>
+                        <m:chr m:val="̅"/>
+                        <m:ctrlPr>
+                          <a:rPr lang="en-US" sz="2000" i="1">
+                            <a:solidFill>
+                              <a:srgbClr val="FF0000"/>
+                            </a:solidFill>
+                            <a:latin typeface="Cambria Math" panose="02040503050406030204" pitchFamily="18" charset="0"/>
+                          </a:rPr>
+                        </m:ctrlPr>
+                      </m:accPr>
+                      <m:e>
+                        <m:r>
+                          <a:rPr lang="en-US" sz="2000" i="1">
+                            <a:solidFill>
+                              <a:srgbClr val="FF0000"/>
+                            </a:solidFill>
+                            <a:latin typeface="Cambria Math" panose="02040503050406030204" pitchFamily="18" charset="0"/>
+                          </a:rPr>
+                          <m:t>𝐼</m:t>
+                        </m:r>
+                      </m:e>
+                    </m:acc>
+                    <m:r>
+                      <a:rPr lang="en-US" sz="2000" i="1">
+                        <a:solidFill>
+                          <a:srgbClr val="FF0000"/>
+                        </a:solidFill>
+                        <a:latin typeface="Cambria Math" panose="02040503050406030204" pitchFamily="18" charset="0"/>
+                      </a:rPr>
+                      <m:t>+</m:t>
+                    </m:r>
+                    <m:r>
+                      <a:rPr lang="en-US" sz="2000" i="1">
+                        <a:solidFill>
+                          <a:srgbClr val="FF0000"/>
+                        </a:solidFill>
+                        <a:latin typeface="Cambria Math" panose="02040503050406030204" pitchFamily="18" charset="0"/>
+                      </a:rPr>
+                      <m:t>𝐺</m:t>
+                    </m:r>
+                  </m:oMath>
+                </a14:m>
+                <a:endParaRPr lang="en-US" sz="1800" dirty="0"/>
+              </a:p>
+              <a:p>
+                <a:pPr marL="0" indent="0">
+                  <a:buNone/>
+                </a:pPr>
+                <a:endParaRPr lang="en-US" sz="1800" dirty="0"/>
+              </a:p>
+              <a:p>
+                <a:endParaRPr lang="en-US" dirty="0"/>
+              </a:p>
+            </p:txBody>
+          </p:sp>
+        </mc:Choice>
+        <mc:Fallback xmlns="">
+          <p:sp>
+            <p:nvSpPr>
+              <p:cNvPr id="3" name="Content Placeholder 2">
+                <a:extLst>
+                  <a:ext uri="{FF2B5EF4-FFF2-40B4-BE49-F238E27FC236}">
+                    <a16:creationId xmlns:a16="http://schemas.microsoft.com/office/drawing/2014/main" id="{FF9DCFEA-CAC2-155E-0646-2A1CFB62CB30}"/>
+                  </a:ext>
+                </a:extLst>
+              </p:cNvPr>
+              <p:cNvSpPr>
+                <a:spLocks noGrp="1" noRot="1" noChangeAspect="1" noMove="1" noResize="1" noEditPoints="1" noAdjustHandles="1" noChangeArrowheads="1" noChangeShapeType="1" noTextEdit="1"/>
+              </p:cNvSpPr>
+              <p:nvPr>
+                <p:ph idx="1"/>
+              </p:nvPr>
+            </p:nvSpPr>
+            <p:spPr>
+              <a:blipFill>
+                <a:blip r:embed="rId2"/>
+                <a:stretch>
+                  <a:fillRect l="-1005" t="-1821"/>
+                </a:stretch>
+              </a:blipFill>
+            </p:spPr>
+            <p:txBody>
+              <a:bodyPr/>
+              <a:lstStyle/>
+              <a:p>
+                <a:r>
+                  <a:rPr lang="en-US">
+                    <a:noFill/>
+                  </a:rPr>
+                  <a:t> </a:t>
+                </a:r>
+              </a:p>
+            </p:txBody>
+          </p:sp>
+        </mc:Fallback>
+      </mc:AlternateContent>
+      <p:sp>
+        <p:nvSpPr>
+          <p:cNvPr id="4" name="Date Placeholder 3">
+            <a:extLst>
+              <a:ext uri="{FF2B5EF4-FFF2-40B4-BE49-F238E27FC236}">
+                <a16:creationId xmlns:a16="http://schemas.microsoft.com/office/drawing/2014/main" id="{9C6B8036-BE05-BFB4-D4D5-A80BE3E37EAC}"/>
+              </a:ext>
+            </a:extLst>
+          </p:cNvPr>
+          <p:cNvSpPr>
+            <a:spLocks noGrp="1"/>
+          </p:cNvSpPr>
+          <p:nvPr>
+            <p:ph type="dt" sz="half" idx="10"/>
+          </p:nvPr>
+        </p:nvSpPr>
+        <p:spPr/>
+        <p:txBody>
+          <a:bodyPr/>
+          <a:lstStyle/>
+          <a:p>
+            <a:r>
+              <a:rPr lang="en-US"/>
+              <a:t>Spring 2024</a:t>
+            </a:r>
+            <a:endParaRPr lang="en-US" dirty="0"/>
+          </a:p>
+        </p:txBody>
+      </p:sp>
+      <p:sp>
+        <p:nvSpPr>
+          <p:cNvPr id="5" name="Footer Placeholder 4">
+            <a:extLst>
+              <a:ext uri="{FF2B5EF4-FFF2-40B4-BE49-F238E27FC236}">
+                <a16:creationId xmlns:a16="http://schemas.microsoft.com/office/drawing/2014/main" id="{786BCEF9-75B0-399A-2229-4241C6462B6D}"/>
+              </a:ext>
+            </a:extLst>
+          </p:cNvPr>
+          <p:cNvSpPr>
+            <a:spLocks noGrp="1"/>
+          </p:cNvSpPr>
+          <p:nvPr>
+            <p:ph type="ftr" sz="quarter" idx="11"/>
+          </p:nvPr>
+        </p:nvSpPr>
+        <p:spPr/>
+        <p:txBody>
+          <a:bodyPr/>
+          <a:lstStyle/>
+          <a:p>
+            <a:r>
+              <a:rPr lang="en-US" dirty="0"/>
+              <a:t>DEPARTMENT OF BUSINESS &amp; ECONOMICS</a:t>
+            </a:r>
+          </a:p>
+        </p:txBody>
+      </p:sp>
+      <p:sp>
+        <p:nvSpPr>
+          <p:cNvPr id="6" name="Slide Number Placeholder 5">
+            <a:extLst>
+              <a:ext uri="{FF2B5EF4-FFF2-40B4-BE49-F238E27FC236}">
+                <a16:creationId xmlns:a16="http://schemas.microsoft.com/office/drawing/2014/main" id="{9B29C02A-12F7-DD18-E2B1-ECD804EAA3C3}"/>
+              </a:ext>
+            </a:extLst>
+          </p:cNvPr>
+          <p:cNvSpPr>
+            <a:spLocks noGrp="1"/>
+          </p:cNvSpPr>
+          <p:nvPr>
+            <p:ph type="sldNum" sz="quarter" idx="12"/>
+          </p:nvPr>
+        </p:nvSpPr>
+        <p:spPr/>
+        <p:txBody>
+          <a:bodyPr/>
+          <a:lstStyle/>
+          <a:p>
+            <a:fld id="{1A980C56-831A-4EAB-9EDE-57C090F4F877}" type="slidenum">
+              <a:rPr lang="en-US" smtClean="0"/>
+              <a:t>10</a:t>
+            </a:fld>
+            <a:endParaRPr lang="en-US" dirty="0"/>
+          </a:p>
+        </p:txBody>
+      </p:sp>
+    </p:spTree>
+    <p:extLst>
+      <p:ext uri="{BB962C8B-B14F-4D97-AF65-F5344CB8AC3E}">
+        <p14:creationId xmlns:p14="http://schemas.microsoft.com/office/powerpoint/2010/main" val="508923863"/>
+      </p:ext>
+    </p:extLst>
+  </p:cSld>
+  <p:clrMapOvr>
+    <a:masterClrMapping/>
+  </p:clrMapOvr>
+  <p:timing>
+    <p:tnLst>
+      <p:par>
+        <p:cTn id="1" dur="indefinite" restart="never" nodeType="tmRoot">
+          <p:childTnLst>
+            <p:seq concurrent="1" nextAc="seek">
+              <p:cTn id="2" dur="indefinite" nodeType="mainSeq">
+                <p:childTnLst>
+                  <p:par>
+                    <p:cTn id="3" fill="hold">
+                      <p:stCondLst>
+                        <p:cond delay="indefinite"/>
+                        <p:cond evt="onBegin" delay="0">
+                          <p:tn val="2"/>
+                        </p:cond>
+                      </p:stCondLst>
+                      <p:childTnLst>
+                        <p:par>
+                          <p:cTn id="4" fill="hold">
+                            <p:stCondLst>
+                              <p:cond delay="0"/>
+                            </p:stCondLst>
+                            <p:childTnLst>
+                              <p:par>
+                                <p:cTn id="5" presetID="10" presetClass="entr" presetSubtype="0" fill="hold" nodeType="withEffect">
+                                  <p:stCondLst>
+                                    <p:cond delay="0"/>
+                                  </p:stCondLst>
+                                  <p:childTnLst>
+                                    <p:set>
+                                      <p:cBhvr>
+                                        <p:cTn id="6" dur="1" fill="hold">
+                                          <p:stCondLst>
+                                            <p:cond delay="0"/>
+                                          </p:stCondLst>
+                                        </p:cTn>
+                                        <p:tgtEl>
+                                          <p:spTgt spid="3">
+                                            <p:txEl>
+                                              <p:pRg st="0" end="0"/>
+                                            </p:txEl>
+                                          </p:spTgt>
+                                        </p:tgtEl>
+                                        <p:attrNameLst>
+                                          <p:attrName>style.visibility</p:attrName>
+                                        </p:attrNameLst>
+                                      </p:cBhvr>
+                                      <p:to>
+                                        <p:strVal val="visible"/>
+                                      </p:to>
+                                    </p:set>
+                                    <p:animEffect transition="in" filter="fade">
+                                      <p:cBhvr>
+                                        <p:cTn id="7" dur="500"/>
+                                        <p:tgtEl>
+                                          <p:spTgt spid="3">
+                                            <p:txEl>
+                                              <p:pRg st="0" end="0"/>
+                                            </p:txEl>
+                                          </p:spTgt>
+                                        </p:tgtEl>
+                                      </p:cBhvr>
+                                    </p:animEffect>
+                                  </p:childTnLst>
+                                </p:cTn>
+                              </p:par>
+                            </p:childTnLst>
+                          </p:cTn>
+                        </p:par>
+                      </p:childTnLst>
+                    </p:cTn>
+                  </p:par>
+                  <p:par>
+                    <p:cTn id="8" fill="hold">
+                      <p:stCondLst>
+                        <p:cond delay="indefinite"/>
+                      </p:stCondLst>
+                      <p:childTnLst>
+                        <p:par>
+                          <p:cTn id="9" fill="hold">
+                            <p:stCondLst>
+                              <p:cond delay="0"/>
+                            </p:stCondLst>
+                            <p:childTnLst>
+                              <p:par>
+                                <p:cTn id="10" presetID="10" presetClass="entr" presetSubtype="0" fill="hold" nodeType="clickEffect">
+                                  <p:stCondLst>
+                                    <p:cond delay="0"/>
+                                  </p:stCondLst>
+                                  <p:childTnLst>
+                                    <p:set>
+                                      <p:cBhvr>
+                                        <p:cTn id="11" dur="1" fill="hold">
+                                          <p:stCondLst>
+                                            <p:cond delay="0"/>
+                                          </p:stCondLst>
+                                        </p:cTn>
+                                        <p:tgtEl>
+                                          <p:spTgt spid="3">
+                                            <p:txEl>
+                                              <p:pRg st="2" end="2"/>
+                                            </p:txEl>
+                                          </p:spTgt>
+                                        </p:tgtEl>
+                                        <p:attrNameLst>
+                                          <p:attrName>style.visibility</p:attrName>
+                                        </p:attrNameLst>
+                                      </p:cBhvr>
+                                      <p:to>
+                                        <p:strVal val="visible"/>
+                                      </p:to>
+                                    </p:set>
+                                    <p:animEffect transition="in" filter="fade">
+                                      <p:cBhvr>
+                                        <p:cTn id="12" dur="500"/>
+                                        <p:tgtEl>
+                                          <p:spTgt spid="3">
+                                            <p:txEl>
+                                              <p:pRg st="2" end="2"/>
+                                            </p:txEl>
+                                          </p:spTgt>
+                                        </p:tgtEl>
+                                      </p:cBhvr>
+                                    </p:animEffect>
+                                  </p:childTnLst>
+                                </p:cTn>
+                              </p:par>
+                            </p:childTnLst>
+                          </p:cTn>
+                        </p:par>
+                      </p:childTnLst>
+                    </p:cTn>
+                  </p:par>
+                  <p:par>
+                    <p:cTn id="13" fill="hold">
+                      <p:stCondLst>
+                        <p:cond delay="indefinite"/>
+                      </p:stCondLst>
+                      <p:childTnLst>
+                        <p:par>
+                          <p:cTn id="14" fill="hold">
+                            <p:stCondLst>
+                              <p:cond delay="0"/>
+                            </p:stCondLst>
+                            <p:childTnLst>
+                              <p:par>
+                                <p:cTn id="15" presetID="10" presetClass="entr" presetSubtype="0" fill="hold" nodeType="clickEffect">
+                                  <p:stCondLst>
+                                    <p:cond delay="0"/>
+                                  </p:stCondLst>
+                                  <p:childTnLst>
+                                    <p:set>
+                                      <p:cBhvr>
+                                        <p:cTn id="16" dur="1" fill="hold">
+                                          <p:stCondLst>
+                                            <p:cond delay="0"/>
+                                          </p:stCondLst>
+                                        </p:cTn>
+                                        <p:tgtEl>
+                                          <p:spTgt spid="3">
+                                            <p:txEl>
+                                              <p:pRg st="3" end="3"/>
+                                            </p:txEl>
+                                          </p:spTgt>
+                                        </p:tgtEl>
+                                        <p:attrNameLst>
+                                          <p:attrName>style.visibility</p:attrName>
+                                        </p:attrNameLst>
+                                      </p:cBhvr>
+                                      <p:to>
+                                        <p:strVal val="visible"/>
+                                      </p:to>
+                                    </p:set>
+                                    <p:animEffect transition="in" filter="fade">
+                                      <p:cBhvr>
+                                        <p:cTn id="17" dur="500"/>
+                                        <p:tgtEl>
+                                          <p:spTgt spid="3">
+                                            <p:txEl>
+                                              <p:pRg st="3" end="3"/>
+                                            </p:txEl>
+                                          </p:spTgt>
+                                        </p:tgtEl>
+                                      </p:cBhvr>
+                                    </p:animEffect>
+                                  </p:childTnLst>
+                                </p:cTn>
+                              </p:par>
+                            </p:childTnLst>
+                          </p:cTn>
+                        </p:par>
+                      </p:childTnLst>
+                    </p:cTn>
+                  </p:par>
+                  <p:par>
+                    <p:cTn id="18" fill="hold">
+                      <p:stCondLst>
+                        <p:cond delay="indefinite"/>
+                      </p:stCondLst>
+                      <p:childTnLst>
+                        <p:par>
+                          <p:cTn id="19" fill="hold">
+                            <p:stCondLst>
+                              <p:cond delay="0"/>
+                            </p:stCondLst>
+                            <p:childTnLst>
+                              <p:par>
+                                <p:cTn id="20" presetID="10" presetClass="entr" presetSubtype="0" fill="hold" nodeType="clickEffect">
+                                  <p:stCondLst>
+                                    <p:cond delay="0"/>
+                                  </p:stCondLst>
+                                  <p:childTnLst>
+                                    <p:set>
+                                      <p:cBhvr>
+                                        <p:cTn id="21" dur="1" fill="hold">
+                                          <p:stCondLst>
+                                            <p:cond delay="0"/>
+                                          </p:stCondLst>
+                                        </p:cTn>
+                                        <p:tgtEl>
+                                          <p:spTgt spid="3">
+                                            <p:txEl>
+                                              <p:pRg st="4" end="4"/>
+                                            </p:txEl>
+                                          </p:spTgt>
+                                        </p:tgtEl>
+                                        <p:attrNameLst>
+                                          <p:attrName>style.visibility</p:attrName>
+                                        </p:attrNameLst>
+                                      </p:cBhvr>
+                                      <p:to>
+                                        <p:strVal val="visible"/>
+                                      </p:to>
+                                    </p:set>
+                                    <p:animEffect transition="in" filter="fade">
+                                      <p:cBhvr>
+                                        <p:cTn id="22" dur="500"/>
+                                        <p:tgtEl>
+                                          <p:spTgt spid="3">
+                                            <p:txEl>
+                                              <p:pRg st="4" end="4"/>
+                                            </p:txEl>
+                                          </p:spTgt>
+                                        </p:tgtEl>
+                                      </p:cBhvr>
+                                    </p:animEffect>
+                                  </p:childTnLst>
+                                </p:cTn>
+                              </p:par>
+                            </p:childTnLst>
+                          </p:cTn>
+                        </p:par>
+                      </p:childTnLst>
+                    </p:cTn>
+                  </p:par>
+                  <p:par>
+                    <p:cTn id="23" fill="hold">
+                      <p:stCondLst>
+                        <p:cond delay="indefinite"/>
+                      </p:stCondLst>
+                      <p:childTnLst>
+                        <p:par>
+                          <p:cTn id="24" fill="hold">
+                            <p:stCondLst>
+                              <p:cond delay="0"/>
+                            </p:stCondLst>
+                            <p:childTnLst>
+                              <p:par>
+                                <p:cTn id="25" presetID="10" presetClass="entr" presetSubtype="0" fill="hold" nodeType="clickEffect">
+                                  <p:stCondLst>
+                                    <p:cond delay="0"/>
+                                  </p:stCondLst>
+                                  <p:childTnLst>
+                                    <p:set>
+                                      <p:cBhvr>
+                                        <p:cTn id="26" dur="1" fill="hold">
+                                          <p:stCondLst>
+                                            <p:cond delay="0"/>
+                                          </p:stCondLst>
+                                        </p:cTn>
+                                        <p:tgtEl>
+                                          <p:spTgt spid="3">
+                                            <p:txEl>
+                                              <p:pRg st="5" end="5"/>
+                                            </p:txEl>
+                                          </p:spTgt>
+                                        </p:tgtEl>
+                                        <p:attrNameLst>
+                                          <p:attrName>style.visibility</p:attrName>
+                                        </p:attrNameLst>
+                                      </p:cBhvr>
+                                      <p:to>
+                                        <p:strVal val="visible"/>
+                                      </p:to>
+                                    </p:set>
+                                    <p:animEffect transition="in" filter="fade">
+                                      <p:cBhvr>
+                                        <p:cTn id="27" dur="500"/>
+                                        <p:tgtEl>
+                                          <p:spTgt spid="3">
+                                            <p:txEl>
+                                              <p:pRg st="5" end="5"/>
+                                            </p:txEl>
+                                          </p:spTgt>
+                                        </p:tgtEl>
+                                      </p:cBhvr>
+                                    </p:animEffect>
+                                  </p:childTnLst>
+                                </p:cTn>
+                              </p:par>
+                            </p:childTnLst>
+                          </p:cTn>
+                        </p:par>
+                      </p:childTnLst>
+                    </p:cTn>
+                  </p:par>
+                  <p:par>
+                    <p:cTn id="28" fill="hold">
+                      <p:stCondLst>
+                        <p:cond delay="indefinite"/>
+                      </p:stCondLst>
+                      <p:childTnLst>
+                        <p:par>
+                          <p:cTn id="29" fill="hold">
+                            <p:stCondLst>
+                              <p:cond delay="0"/>
+                            </p:stCondLst>
+                            <p:childTnLst>
+                              <p:par>
+                                <p:cTn id="30" presetID="10" presetClass="entr" presetSubtype="0" fill="hold" nodeType="clickEffect">
+                                  <p:stCondLst>
+                                    <p:cond delay="0"/>
+                                  </p:stCondLst>
+                                  <p:childTnLst>
+                                    <p:set>
+                                      <p:cBhvr>
+                                        <p:cTn id="31" dur="1" fill="hold">
+                                          <p:stCondLst>
+                                            <p:cond delay="0"/>
+                                          </p:stCondLst>
+                                        </p:cTn>
+                                        <p:tgtEl>
+                                          <p:spTgt spid="3">
+                                            <p:txEl>
+                                              <p:pRg st="6" end="6"/>
+                                            </p:txEl>
+                                          </p:spTgt>
+                                        </p:tgtEl>
+                                        <p:attrNameLst>
+                                          <p:attrName>style.visibility</p:attrName>
+                                        </p:attrNameLst>
+                                      </p:cBhvr>
+                                      <p:to>
+                                        <p:strVal val="visible"/>
+                                      </p:to>
+                                    </p:set>
+                                    <p:animEffect transition="in" filter="fade">
+                                      <p:cBhvr>
+                                        <p:cTn id="32" dur="500"/>
+                                        <p:tgtEl>
+                                          <p:spTgt spid="3">
+                                            <p:txEl>
+                                              <p:pRg st="6" end="6"/>
+                                            </p:txEl>
+                                          </p:spTgt>
+                                        </p:tgtEl>
+                                      </p:cBhvr>
+                                    </p:animEffect>
+                                  </p:childTnLst>
+                                </p:cTn>
+                              </p:par>
+                            </p:childTnLst>
+                          </p:cTn>
+                        </p:par>
+                      </p:childTnLst>
+                    </p:cTn>
+                  </p:par>
+                </p:childTnLst>
+              </p:cTn>
+              <p:prevCondLst>
+                <p:cond evt="onPrev" delay="0">
+                  <p:tgtEl>
+                    <p:sldTgt/>
+                  </p:tgtEl>
+                </p:cond>
+              </p:prevCondLst>
+              <p:nextCondLst>
+                <p:cond evt="onNext" delay="0">
+                  <p:tgtEl>
+                    <p:sldTgt/>
+                  </p:tgtEl>
+                </p:cond>
+              </p:nextCondLst>
+            </p:seq>
+          </p:childTnLst>
+        </p:cTn>
+      </p:par>
+    </p:tnLst>
+  </p:timing>
+</p:sld>
+</file>
+
+<file path=ppt/slides/slide11.xml><?xml version="1.0" encoding="utf-8"?>
+<p:sld xmlns:a="http://schemas.openxmlformats.org/drawingml/2006/main" xmlns:r="http://schemas.openxmlformats.org/officeDocument/2006/relationships" xmlns:p="http://schemas.openxmlformats.org/presentationml/2006/main">
+  <p:cSld>
+    <p:spTree>
+      <p:nvGrpSpPr>
+        <p:cNvPr id="1" name="">
+          <a:extLst>
+            <a:ext uri="{FF2B5EF4-FFF2-40B4-BE49-F238E27FC236}">
               <a16:creationId xmlns:a16="http://schemas.microsoft.com/office/drawing/2014/main" id="{47EFDDCC-29C6-3D62-D444-D2EA7FC74323}"/>
             </a:ext>
           </a:extLst>
@@ -4320,8 +5517,8 @@
           </a:p>
         </p:txBody>
       </p:sp>
-      <mc:AlternateContent xmlns:mc="http://schemas.openxmlformats.org/markup-compatibility/2006">
-        <mc:Choice xmlns:a14="http://schemas.microsoft.com/office/drawing/2010/main" Requires="a14">
+      <mc:AlternateContent xmlns:mc="http://schemas.openxmlformats.org/markup-compatibility/2006" xmlns:a14="http://schemas.microsoft.com/office/drawing/2010/main">
+        <mc:Choice Requires="a14">
           <p:sp>
             <p:nvSpPr>
               <p:cNvPr id="3" name="Content Placeholder 2">
@@ -5215,7 +6412,7 @@
             </p:txBody>
           </p:sp>
         </mc:Choice>
-        <mc:Fallback>
+        <mc:Fallback xmlns="">
           <p:sp>
             <p:nvSpPr>
               <p:cNvPr id="3" name="Content Placeholder 2">
@@ -5335,7 +6532,7 @@
           <a:p>
             <a:fld id="{1A980C56-831A-4EAB-9EDE-57C090F4F877}" type="slidenum">
               <a:rPr lang="en-US" smtClean="0"/>
-              <a:t>10</a:t>
+              <a:t>11</a:t>
             </a:fld>
             <a:endParaRPr lang="en-US" dirty="0"/>
           </a:p>
@@ -5730,7 +6927,7 @@
 </p:sld>
 </file>
 
-<file path=ppt/slides/slide11.xml><?xml version="1.0" encoding="utf-8"?>
+<file path=ppt/slides/slide12.xml><?xml version="1.0" encoding="utf-8"?>
 <p:sld xmlns:a="http://schemas.openxmlformats.org/drawingml/2006/main" xmlns:r="http://schemas.openxmlformats.org/officeDocument/2006/relationships" xmlns:p="http://schemas.openxmlformats.org/presentationml/2006/main">
   <p:cSld>
     <p:spTree>
@@ -5936,7 +7133,7 @@
           <a:p>
             <a:fld id="{1A980C56-831A-4EAB-9EDE-57C090F4F877}" type="slidenum">
               <a:rPr lang="en-US" smtClean="0"/>
-              <a:t>11</a:t>
+              <a:t>12</a:t>
             </a:fld>
             <a:endParaRPr lang="en-US" dirty="0"/>
           </a:p>
@@ -6293,7 +7490,7 @@
 </p:sld>
 </file>
 
-<file path=ppt/slides/slide12.xml><?xml version="1.0" encoding="utf-8"?>
+<file path=ppt/slides/slide13.xml><?xml version="1.0" encoding="utf-8"?>
 <p:sld xmlns:a="http://schemas.openxmlformats.org/drawingml/2006/main" xmlns:r="http://schemas.openxmlformats.org/officeDocument/2006/relationships" xmlns:p="http://schemas.openxmlformats.org/presentationml/2006/main">
   <p:cSld>
     <p:spTree>
@@ -6470,7 +7667,7 @@
           <a:p>
             <a:fld id="{1A980C56-831A-4EAB-9EDE-57C090F4F877}" type="slidenum">
               <a:rPr lang="en-US" smtClean="0"/>
-              <a:t>12</a:t>
+              <a:t>13</a:t>
             </a:fld>
             <a:endParaRPr lang="en-US" dirty="0"/>
           </a:p>
@@ -6644,7 +7841,7 @@
 </p:sld>
 </file>
 
-<file path=ppt/slides/slide13.xml><?xml version="1.0" encoding="utf-8"?>
+<file path=ppt/slides/slide14.xml><?xml version="1.0" encoding="utf-8"?>
 <p:sld xmlns:a="http://schemas.openxmlformats.org/drawingml/2006/main" xmlns:r="http://schemas.openxmlformats.org/officeDocument/2006/relationships" xmlns:p="http://schemas.openxmlformats.org/presentationml/2006/main">
   <p:cSld>
     <p:spTree>
@@ -6695,8 +7892,8 @@
           </a:p>
         </p:txBody>
       </p:sp>
-      <mc:AlternateContent xmlns:mc="http://schemas.openxmlformats.org/markup-compatibility/2006">
-        <mc:Choice xmlns:a14="http://schemas.microsoft.com/office/drawing/2010/main" Requires="a14">
+      <mc:AlternateContent xmlns:mc="http://schemas.openxmlformats.org/markup-compatibility/2006" xmlns:a14="http://schemas.microsoft.com/office/drawing/2010/main">
+        <mc:Choice Requires="a14">
           <p:sp>
             <p:nvSpPr>
               <p:cNvPr id="3" name="Content Placeholder 2">
@@ -6971,7 +8168,7 @@
             </p:txBody>
           </p:sp>
         </mc:Choice>
-        <mc:Fallback>
+        <mc:Fallback xmlns="">
           <p:sp>
             <p:nvSpPr>
               <p:cNvPr id="3" name="Content Placeholder 2">
@@ -7091,7 +8288,7 @@
           <a:p>
             <a:fld id="{1A980C56-831A-4EAB-9EDE-57C090F4F877}" type="slidenum">
               <a:rPr lang="en-US" smtClean="0"/>
-              <a:t>13</a:t>
+              <a:t>14</a:t>
             </a:fld>
             <a:endParaRPr lang="en-US" dirty="0"/>
           </a:p>
@@ -7207,7 +8404,7 @@
                                         <p:tgtEl>
                                           <p:spTgt spid="3">
                                             <p:txEl>
-                                              <p:charRg st="160" end="227"/>
+                                              <p:pRg st="2" end="2"/>
                                             </p:txEl>
                                           </p:spTgt>
                                         </p:tgtEl>
@@ -7225,7 +8422,7 @@
                                         <p:tgtEl>
                                           <p:spTgt spid="3">
                                             <p:txEl>
-                                              <p:charRg st="160" end="227"/>
+                                              <p:pRg st="2" end="2"/>
                                             </p:txEl>
                                           </p:spTgt>
                                         </p:tgtEl>
@@ -7250,7 +8447,7 @@
                                         <p:tgtEl>
                                           <p:spTgt spid="3">
                                             <p:txEl>
-                                              <p:charRg st="228" end="260"/>
+                                              <p:pRg st="4" end="4"/>
                                             </p:txEl>
                                           </p:spTgt>
                                         </p:tgtEl>
@@ -7268,7 +8465,7 @@
                                         <p:tgtEl>
                                           <p:spTgt spid="3">
                                             <p:txEl>
-                                              <p:charRg st="228" end="260"/>
+                                              <p:pRg st="4" end="4"/>
                                             </p:txEl>
                                           </p:spTgt>
                                         </p:tgtEl>
@@ -7311,7 +8508,7 @@
                                         <p:tgtEl>
                                           <p:spTgt spid="3">
                                             <p:txEl>
-                                              <p:charRg st="261" end="314"/>
+                                              <p:pRg st="6" end="6"/>
                                             </p:txEl>
                                           </p:spTgt>
                                         </p:tgtEl>
@@ -7329,7 +8526,7 @@
                                         <p:tgtEl>
                                           <p:spTgt spid="3">
                                             <p:txEl>
-                                              <p:charRg st="261" end="314"/>
+                                              <p:pRg st="6" end="6"/>
                                             </p:txEl>
                                           </p:spTgt>
                                         </p:tgtEl>
@@ -7354,7 +8551,7 @@
                                         <p:tgtEl>
                                           <p:spTgt spid="3">
                                             <p:txEl>
-                                              <p:charRg st="315" end="347"/>
+                                              <p:pRg st="8" end="8"/>
                                             </p:txEl>
                                           </p:spTgt>
                                         </p:tgtEl>
@@ -7372,7 +8569,7 @@
                                         <p:tgtEl>
                                           <p:spTgt spid="3">
                                             <p:txEl>
-                                              <p:charRg st="315" end="347"/>
+                                              <p:pRg st="8" end="8"/>
                                             </p:txEl>
                                           </p:spTgt>
                                         </p:tgtEl>
@@ -7412,7 +8609,7 @@
 </p:sld>
 </file>
 
-<file path=ppt/slides/slide14.xml><?xml version="1.0" encoding="utf-8"?>
+<file path=ppt/slides/slide15.xml><?xml version="1.0" encoding="utf-8"?>
 <p:sld xmlns:a="http://schemas.openxmlformats.org/drawingml/2006/main" xmlns:r="http://schemas.openxmlformats.org/officeDocument/2006/relationships" xmlns:p="http://schemas.openxmlformats.org/presentationml/2006/main">
   <p:cSld>
     <p:spTree>
@@ -7463,8 +8660,8 @@
           </a:p>
         </p:txBody>
       </p:sp>
-      <mc:AlternateContent xmlns:mc="http://schemas.openxmlformats.org/markup-compatibility/2006">
-        <mc:Choice xmlns:a14="http://schemas.microsoft.com/office/drawing/2010/main" Requires="a14">
+      <mc:AlternateContent xmlns:mc="http://schemas.openxmlformats.org/markup-compatibility/2006" xmlns:a14="http://schemas.microsoft.com/office/drawing/2010/main">
+        <mc:Choice Requires="a14">
           <p:sp>
             <p:nvSpPr>
               <p:cNvPr id="3" name="Content Placeholder 2">
@@ -7623,7 +8820,7 @@
             </p:txBody>
           </p:sp>
         </mc:Choice>
-        <mc:Fallback>
+        <mc:Fallback xmlns="">
           <p:sp>
             <p:nvSpPr>
               <p:cNvPr id="3" name="Content Placeholder 2">
@@ -7743,14 +8940,14 @@
           <a:p>
             <a:fld id="{1A980C56-831A-4EAB-9EDE-57C090F4F877}" type="slidenum">
               <a:rPr lang="en-US" smtClean="0"/>
-              <a:t>14</a:t>
+              <a:t>15</a:t>
             </a:fld>
             <a:endParaRPr lang="en-US" dirty="0"/>
           </a:p>
         </p:txBody>
       </p:sp>
-      <mc:AlternateContent xmlns:mc="http://schemas.openxmlformats.org/markup-compatibility/2006">
-        <mc:Choice xmlns:a14="http://schemas.microsoft.com/office/drawing/2010/main" Requires="a14">
+      <mc:AlternateContent xmlns:mc="http://schemas.openxmlformats.org/markup-compatibility/2006" xmlns:a14="http://schemas.microsoft.com/office/drawing/2010/main">
+        <mc:Choice Requires="a14">
           <p:graphicFrame>
             <p:nvGraphicFramePr>
               <p:cNvPr id="8" name="Table 7">
@@ -7848,18 +9045,24 @@
                                 <m:sSub>
                                   <m:sSubPr>
                                     <m:ctrlPr>
-                                      <a:rPr lang="en-US" b="1" smtClean="0"/>
+                                      <a:rPr lang="en-US" b="1" i="1" smtClean="0">
+                                        <a:latin typeface="Cambria Math" panose="02040503050406030204" pitchFamily="18" charset="0"/>
+                                      </a:rPr>
                                     </m:ctrlPr>
                                   </m:sSubPr>
                                   <m:e>
                                     <m:r>
-                                      <a:rPr lang="en-US" b="1" smtClean="0"/>
+                                      <a:rPr lang="en-US" b="1" smtClean="0">
+                                        <a:latin typeface="Cambria Math" panose="02040503050406030204" pitchFamily="18" charset="0"/>
+                                      </a:rPr>
                                       <m:t>𝑷</m:t>
                                     </m:r>
                                   </m:e>
                                   <m:sub>
                                     <m:r>
-                                      <a:rPr lang="en-US" b="1" smtClean="0"/>
+                                      <a:rPr lang="en-US" b="1" smtClean="0">
+                                        <a:latin typeface="Cambria Math" panose="02040503050406030204" pitchFamily="18" charset="0"/>
+                                      </a:rPr>
                                       <m:t>𝒙</m:t>
                                     </m:r>
                                   </m:sub>
@@ -7887,18 +9090,24 @@
                                 <m:sSub>
                                   <m:sSubPr>
                                     <m:ctrlPr>
-                                      <a:rPr lang="en-US" b="1" smtClean="0"/>
+                                      <a:rPr lang="en-US" b="1" i="1" smtClean="0">
+                                        <a:latin typeface="Cambria Math" panose="02040503050406030204" pitchFamily="18" charset="0"/>
+                                      </a:rPr>
                                     </m:ctrlPr>
                                   </m:sSubPr>
                                   <m:e>
                                     <m:r>
-                                      <a:rPr lang="en-US" b="1" smtClean="0"/>
+                                      <a:rPr lang="en-US" b="1" smtClean="0">
+                                        <a:latin typeface="Cambria Math" panose="02040503050406030204" pitchFamily="18" charset="0"/>
+                                      </a:rPr>
                                       <m:t>𝑷</m:t>
                                     </m:r>
                                   </m:e>
                                   <m:sub>
                                     <m:r>
-                                      <a:rPr lang="en-US" b="1" smtClean="0"/>
+                                      <a:rPr lang="en-US" b="1" smtClean="0">
+                                        <a:latin typeface="Cambria Math" panose="02040503050406030204" pitchFamily="18" charset="0"/>
+                                      </a:rPr>
                                       <m:t>𝒚</m:t>
                                     </m:r>
                                   </m:sub>
@@ -7926,18 +9135,24 @@
                                 <m:sSub>
                                   <m:sSubPr>
                                     <m:ctrlPr>
-                                      <a:rPr lang="en-US" b="1" smtClean="0"/>
+                                      <a:rPr lang="en-US" b="1" i="1" smtClean="0">
+                                        <a:latin typeface="Cambria Math" panose="02040503050406030204" pitchFamily="18" charset="0"/>
+                                      </a:rPr>
                                     </m:ctrlPr>
                                   </m:sSubPr>
                                   <m:e>
                                     <m:r>
-                                      <a:rPr lang="en-US" b="1" smtClean="0"/>
+                                      <a:rPr lang="en-US" b="1" smtClean="0">
+                                        <a:latin typeface="Cambria Math" panose="02040503050406030204" pitchFamily="18" charset="0"/>
+                                      </a:rPr>
                                       <m:t>𝑸</m:t>
                                     </m:r>
                                   </m:e>
                                   <m:sub>
                                     <m:r>
-                                      <a:rPr lang="en-US" b="1" smtClean="0"/>
+                                      <a:rPr lang="en-US" b="1" smtClean="0">
+                                        <a:latin typeface="Cambria Math" panose="02040503050406030204" pitchFamily="18" charset="0"/>
+                                      </a:rPr>
                                       <m:t>𝒙</m:t>
                                     </m:r>
                                   </m:sub>
@@ -7965,18 +9180,24 @@
                                 <m:sSub>
                                   <m:sSubPr>
                                     <m:ctrlPr>
-                                      <a:rPr lang="en-US" b="1" smtClean="0"/>
+                                      <a:rPr lang="en-US" b="1" i="1" smtClean="0">
+                                        <a:latin typeface="Cambria Math" panose="02040503050406030204" pitchFamily="18" charset="0"/>
+                                      </a:rPr>
                                     </m:ctrlPr>
                                   </m:sSubPr>
                                   <m:e>
                                     <m:r>
-                                      <a:rPr lang="en-US" b="1" smtClean="0"/>
+                                      <a:rPr lang="en-US" b="1" smtClean="0">
+                                        <a:latin typeface="Cambria Math" panose="02040503050406030204" pitchFamily="18" charset="0"/>
+                                      </a:rPr>
                                       <m:t>𝑸</m:t>
                                     </m:r>
                                   </m:e>
                                   <m:sub>
                                     <m:r>
-                                      <a:rPr lang="en-US" b="1" smtClean="0"/>
+                                      <a:rPr lang="en-US" b="1" smtClean="0">
+                                        <a:latin typeface="Cambria Math" panose="02040503050406030204" pitchFamily="18" charset="0"/>
+                                      </a:rPr>
                                       <m:t>𝒚</m:t>
                                     </m:r>
                                   </m:sub>
@@ -8308,7 +9529,7 @@
             </a:graphic>
           </p:graphicFrame>
         </mc:Choice>
-        <mc:Fallback>
+        <mc:Fallback xmlns="">
           <p:graphicFrame>
             <p:nvGraphicFramePr>
               <p:cNvPr id="8" name="Table 7">
@@ -8990,7 +10211,7 @@
 </p:sld>
 </file>
 
-<file path=ppt/slides/slide15.xml><?xml version="1.0" encoding="utf-8"?>
+<file path=ppt/slides/slide16.xml><?xml version="1.0" encoding="utf-8"?>
 <p:sld xmlns:a="http://schemas.openxmlformats.org/drawingml/2006/main" xmlns:r="http://schemas.openxmlformats.org/officeDocument/2006/relationships" xmlns:p="http://schemas.openxmlformats.org/presentationml/2006/main">
   <p:cSld>
     <p:spTree>
@@ -9041,8 +10262,8 @@
           </a:p>
         </p:txBody>
       </p:sp>
-      <mc:AlternateContent xmlns:mc="http://schemas.openxmlformats.org/markup-compatibility/2006">
-        <mc:Choice xmlns:a14="http://schemas.microsoft.com/office/drawing/2010/main" Requires="a14">
+      <mc:AlternateContent xmlns:mc="http://schemas.openxmlformats.org/markup-compatibility/2006" xmlns:a14="http://schemas.microsoft.com/office/drawing/2010/main">
+        <mc:Choice Requires="a14">
           <p:sp>
             <p:nvSpPr>
               <p:cNvPr id="3" name="Content Placeholder 2">
@@ -9212,7 +10433,7 @@
             </p:txBody>
           </p:sp>
         </mc:Choice>
-        <mc:Fallback>
+        <mc:Fallback xmlns="">
           <p:sp>
             <p:nvSpPr>
               <p:cNvPr id="3" name="Content Placeholder 2">
@@ -9332,14 +10553,14 @@
           <a:p>
             <a:fld id="{1A980C56-831A-4EAB-9EDE-57C090F4F877}" type="slidenum">
               <a:rPr lang="en-US" smtClean="0"/>
-              <a:t>15</a:t>
+              <a:t>16</a:t>
             </a:fld>
             <a:endParaRPr lang="en-US" dirty="0"/>
           </a:p>
         </p:txBody>
       </p:sp>
-      <mc:AlternateContent xmlns:mc="http://schemas.openxmlformats.org/markup-compatibility/2006">
-        <mc:Choice xmlns:a14="http://schemas.microsoft.com/office/drawing/2010/main" Requires="a14">
+      <mc:AlternateContent xmlns:mc="http://schemas.openxmlformats.org/markup-compatibility/2006" xmlns:a14="http://schemas.microsoft.com/office/drawing/2010/main">
+        <mc:Choice Requires="a14">
           <p:graphicFrame>
             <p:nvGraphicFramePr>
               <p:cNvPr id="8" name="Table 7">
@@ -9431,18 +10652,24 @@
                                 <m:sSub>
                                   <m:sSubPr>
                                     <m:ctrlPr>
-                                      <a:rPr lang="en-US" b="1" smtClean="0"/>
+                                      <a:rPr lang="en-US" b="1" i="1" smtClean="0">
+                                        <a:latin typeface="Cambria Math" panose="02040503050406030204" pitchFamily="18" charset="0"/>
+                                      </a:rPr>
                                     </m:ctrlPr>
                                   </m:sSubPr>
                                   <m:e>
                                     <m:r>
-                                      <a:rPr lang="en-US" b="1" smtClean="0"/>
+                                      <a:rPr lang="en-US" b="1" smtClean="0">
+                                        <a:latin typeface="Cambria Math" panose="02040503050406030204" pitchFamily="18" charset="0"/>
+                                      </a:rPr>
                                       <m:t>𝑷</m:t>
                                     </m:r>
                                   </m:e>
                                   <m:sub>
                                     <m:r>
-                                      <a:rPr lang="en-US" b="1" smtClean="0"/>
+                                      <a:rPr lang="en-US" b="1" smtClean="0">
+                                        <a:latin typeface="Cambria Math" panose="02040503050406030204" pitchFamily="18" charset="0"/>
+                                      </a:rPr>
                                       <m:t>𝒙</m:t>
                                     </m:r>
                                   </m:sub>
@@ -9470,18 +10697,24 @@
                                 <m:sSub>
                                   <m:sSubPr>
                                     <m:ctrlPr>
-                                      <a:rPr lang="en-US" b="1" smtClean="0"/>
+                                      <a:rPr lang="en-US" b="1" i="1" smtClean="0">
+                                        <a:latin typeface="Cambria Math" panose="02040503050406030204" pitchFamily="18" charset="0"/>
+                                      </a:rPr>
                                     </m:ctrlPr>
                                   </m:sSubPr>
                                   <m:e>
                                     <m:r>
-                                      <a:rPr lang="en-US" b="1" smtClean="0"/>
+                                      <a:rPr lang="en-US" b="1" smtClean="0">
+                                        <a:latin typeface="Cambria Math" panose="02040503050406030204" pitchFamily="18" charset="0"/>
+                                      </a:rPr>
                                       <m:t>𝑷</m:t>
                                     </m:r>
                                   </m:e>
                                   <m:sub>
                                     <m:r>
-                                      <a:rPr lang="en-US" b="1" smtClean="0"/>
+                                      <a:rPr lang="en-US" b="1" smtClean="0">
+                                        <a:latin typeface="Cambria Math" panose="02040503050406030204" pitchFamily="18" charset="0"/>
+                                      </a:rPr>
                                       <m:t>𝒚</m:t>
                                     </m:r>
                                   </m:sub>
@@ -9509,18 +10742,24 @@
                                 <m:sSub>
                                   <m:sSubPr>
                                     <m:ctrlPr>
-                                      <a:rPr lang="en-US" b="1" smtClean="0"/>
+                                      <a:rPr lang="en-US" b="1" i="1" smtClean="0">
+                                        <a:latin typeface="Cambria Math" panose="02040503050406030204" pitchFamily="18" charset="0"/>
+                                      </a:rPr>
                                     </m:ctrlPr>
                                   </m:sSubPr>
                                   <m:e>
                                     <m:r>
-                                      <a:rPr lang="en-US" b="1" smtClean="0"/>
+                                      <a:rPr lang="en-US" b="1" smtClean="0">
+                                        <a:latin typeface="Cambria Math" panose="02040503050406030204" pitchFamily="18" charset="0"/>
+                                      </a:rPr>
                                       <m:t>𝑸</m:t>
                                     </m:r>
                                   </m:e>
                                   <m:sub>
                                     <m:r>
-                                      <a:rPr lang="en-US" b="1" smtClean="0"/>
+                                      <a:rPr lang="en-US" b="1" smtClean="0">
+                                        <a:latin typeface="Cambria Math" panose="02040503050406030204" pitchFamily="18" charset="0"/>
+                                      </a:rPr>
                                       <m:t>𝒙</m:t>
                                     </m:r>
                                   </m:sub>
@@ -9548,18 +10787,24 @@
                                 <m:sSub>
                                   <m:sSubPr>
                                     <m:ctrlPr>
-                                      <a:rPr lang="en-US" b="1" smtClean="0"/>
+                                      <a:rPr lang="en-US" b="1" i="1" smtClean="0">
+                                        <a:latin typeface="Cambria Math" panose="02040503050406030204" pitchFamily="18" charset="0"/>
+                                      </a:rPr>
                                     </m:ctrlPr>
                                   </m:sSubPr>
                                   <m:e>
                                     <m:r>
-                                      <a:rPr lang="en-US" b="1" smtClean="0"/>
+                                      <a:rPr lang="en-US" b="1" smtClean="0">
+                                        <a:latin typeface="Cambria Math" panose="02040503050406030204" pitchFamily="18" charset="0"/>
+                                      </a:rPr>
                                       <m:t>𝑸</m:t>
                                     </m:r>
                                   </m:e>
                                   <m:sub>
                                     <m:r>
-                                      <a:rPr lang="en-US" b="1" smtClean="0"/>
+                                      <a:rPr lang="en-US" b="1" smtClean="0">
+                                        <a:latin typeface="Cambria Math" panose="02040503050406030204" pitchFamily="18" charset="0"/>
+                                      </a:rPr>
                                       <m:t>𝒚</m:t>
                                     </m:r>
                                   </m:sub>
@@ -9891,7 +11136,7 @@
             </a:graphic>
           </p:graphicFrame>
         </mc:Choice>
-        <mc:Fallback>
+        <mc:Fallback xmlns="">
           <p:graphicFrame>
             <p:nvGraphicFramePr>
               <p:cNvPr id="8" name="Table 7">
@@ -10567,7 +11812,7 @@
 </p:sld>
 </file>
 
-<file path=ppt/slides/slide16.xml><?xml version="1.0" encoding="utf-8"?>
+<file path=ppt/slides/slide17.xml><?xml version="1.0" encoding="utf-8"?>
 <p:sld xmlns:a="http://schemas.openxmlformats.org/drawingml/2006/main" xmlns:r="http://schemas.openxmlformats.org/officeDocument/2006/relationships" xmlns:p="http://schemas.openxmlformats.org/presentationml/2006/main">
   <p:cSld>
     <p:spTree>
@@ -10618,8 +11863,8 @@
           </a:p>
         </p:txBody>
       </p:sp>
-      <mc:AlternateContent xmlns:mc="http://schemas.openxmlformats.org/markup-compatibility/2006">
-        <mc:Choice xmlns:a14="http://schemas.microsoft.com/office/drawing/2010/main" Requires="a14">
+      <mc:AlternateContent xmlns:mc="http://schemas.openxmlformats.org/markup-compatibility/2006" xmlns:a14="http://schemas.microsoft.com/office/drawing/2010/main">
+        <mc:Choice Requires="a14">
           <p:sp>
             <p:nvSpPr>
               <p:cNvPr id="3" name="Content Placeholder 2">
@@ -10848,7 +12093,7 @@
             </p:txBody>
           </p:sp>
         </mc:Choice>
-        <mc:Fallback>
+        <mc:Fallback xmlns="">
           <p:sp>
             <p:nvSpPr>
               <p:cNvPr id="3" name="Content Placeholder 2">
@@ -10968,7 +12213,7 @@
           <a:p>
             <a:fld id="{1A980C56-831A-4EAB-9EDE-57C090F4F877}" type="slidenum">
               <a:rPr lang="en-US" smtClean="0"/>
-              <a:t>16</a:t>
+              <a:t>17</a:t>
             </a:fld>
             <a:endParaRPr lang="en-US" dirty="0"/>
           </a:p>
@@ -11228,7 +12473,7 @@
 </p:sld>
 </file>
 
-<file path=ppt/slides/slide17.xml><?xml version="1.0" encoding="utf-8"?>
+<file path=ppt/slides/slide18.xml><?xml version="1.0" encoding="utf-8"?>
 <p:sld xmlns:a="http://schemas.openxmlformats.org/drawingml/2006/main" xmlns:r="http://schemas.openxmlformats.org/officeDocument/2006/relationships" xmlns:p="http://schemas.openxmlformats.org/presentationml/2006/main">
   <p:cSld>
     <p:spTree>
@@ -11411,7 +12656,7 @@
           <a:p>
             <a:fld id="{1A980C56-831A-4EAB-9EDE-57C090F4F877}" type="slidenum">
               <a:rPr lang="en-US" smtClean="0"/>
-              <a:t>17</a:t>
+              <a:t>18</a:t>
             </a:fld>
             <a:endParaRPr lang="en-US" dirty="0"/>
           </a:p>
@@ -11633,7 +12878,13 @@
   <p:cSld>
     <p:spTree>
       <p:nvGrpSpPr>
-        <p:cNvPr id="1" name=""/>
+        <p:cNvPr id="1" name="">
+          <a:extLst>
+            <a:ext uri="{FF2B5EF4-FFF2-40B4-BE49-F238E27FC236}">
+              <a16:creationId xmlns:a16="http://schemas.microsoft.com/office/drawing/2014/main" id="{C423FE5A-A094-040B-C715-53B90088DE73}"/>
+            </a:ext>
+          </a:extLst>
+        </p:cNvPr>
         <p:cNvGrpSpPr/>
         <p:nvPr/>
       </p:nvGrpSpPr>
@@ -11645,139 +12896,47 @@
           <a:chExt cx="0" cy="0"/>
         </a:xfrm>
       </p:grpSpPr>
-      <p:sp>
-        <p:nvSpPr>
-          <p:cNvPr id="2" name="Title 1">
+      <p:pic>
+        <p:nvPicPr>
+          <p:cNvPr id="8" name="Content Placeholder 7" descr="A graph of a bar graph&#10;&#10;Description automatically generated">
             <a:extLst>
               <a:ext uri="{FF2B5EF4-FFF2-40B4-BE49-F238E27FC236}">
-                <a16:creationId xmlns:a16="http://schemas.microsoft.com/office/drawing/2014/main" id="{D695E1D0-AC50-75BC-2F86-0F207240C764}"/>
+                <a16:creationId xmlns:a16="http://schemas.microsoft.com/office/drawing/2014/main" id="{A2BFB540-93FA-089A-0357-44D2688476A3}"/>
               </a:ext>
             </a:extLst>
           </p:cNvPr>
-          <p:cNvSpPr>
-            <a:spLocks noGrp="1"/>
-          </p:cNvSpPr>
-          <p:nvPr>
-            <p:ph type="title"/>
-          </p:nvPr>
-        </p:nvSpPr>
-        <p:spPr/>
-        <p:txBody>
-          <a:bodyPr/>
-          <a:lstStyle/>
-          <a:p>
-            <a:r>
-              <a:rPr lang="en-US" dirty="0"/>
-              <a:t>Quiz #1 “Recovery” Office Hours</a:t>
-            </a:r>
-          </a:p>
-        </p:txBody>
-      </p:sp>
-      <p:sp>
-        <p:nvSpPr>
-          <p:cNvPr id="3" name="Content Placeholder 2">
-            <a:extLst>
-              <a:ext uri="{FF2B5EF4-FFF2-40B4-BE49-F238E27FC236}">
-                <a16:creationId xmlns:a16="http://schemas.microsoft.com/office/drawing/2014/main" id="{B8B4D1D4-EA4B-DF09-BAF9-16891DCF122C}"/>
-              </a:ext>
-            </a:extLst>
-          </p:cNvPr>
-          <p:cNvSpPr>
-            <a:spLocks noGrp="1"/>
-          </p:cNvSpPr>
+          <p:cNvPicPr>
+            <a:picLocks noGrp="1" noChangeAspect="1"/>
+          </p:cNvPicPr>
           <p:nvPr>
             <p:ph idx="1"/>
           </p:nvPr>
-        </p:nvSpPr>
-        <p:spPr/>
-        <p:txBody>
-          <a:bodyPr>
-            <a:normAutofit/>
-          </a:bodyPr>
-          <a:lstStyle/>
-          <a:p>
-            <a:r>
-              <a:rPr lang="en-US" dirty="0">
-                <a:hlinkClick r:id="rId2"/>
-              </a:rPr>
-              <a:t>https://calendly.com/brianhwpark</a:t>
-            </a:r>
-            <a:endParaRPr lang="en-US" dirty="0"/>
-          </a:p>
-          <a:p>
-            <a:pPr lvl="4"/>
-            <a:endParaRPr lang="en-US" dirty="0"/>
-          </a:p>
-          <a:p>
-            <a:r>
-              <a:rPr lang="en-US" dirty="0"/>
-              <a:t>Venue: Rm. 248 Center for Science and Business</a:t>
-            </a:r>
-          </a:p>
-          <a:p>
-            <a:pPr lvl="3"/>
-            <a:endParaRPr lang="en-US" dirty="0"/>
-          </a:p>
-          <a:p>
-            <a:r>
-              <a:rPr lang="en-US" dirty="0"/>
-              <a:t>Dates: Feb. 12</a:t>
-            </a:r>
-            <a:r>
-              <a:rPr lang="en-US" baseline="30000" dirty="0"/>
-              <a:t>th</a:t>
-            </a:r>
-            <a:r>
-              <a:rPr lang="en-US" dirty="0"/>
-              <a:t> ~ Feb. 16</a:t>
-            </a:r>
-            <a:r>
-              <a:rPr lang="en-US" baseline="30000" dirty="0"/>
-              <a:t>th</a:t>
-            </a:r>
-            <a:r>
-              <a:rPr lang="en-US" dirty="0"/>
-              <a:t> , 2024</a:t>
-            </a:r>
-          </a:p>
-          <a:p>
-            <a:pPr lvl="3"/>
-            <a:endParaRPr lang="en-US" dirty="0"/>
-          </a:p>
-          <a:p>
-            <a:r>
-              <a:rPr lang="en-US" dirty="0"/>
-              <a:t>Length: 30 Minutes per Session</a:t>
-            </a:r>
-          </a:p>
-          <a:p>
-            <a:pPr lvl="3"/>
-            <a:endParaRPr lang="en-US" dirty="0"/>
-          </a:p>
-          <a:p>
-            <a:r>
-              <a:rPr lang="en-US" dirty="0"/>
-              <a:t>Use the Whiteboard / Paper to correct your answers.</a:t>
-            </a:r>
-          </a:p>
-          <a:p>
-            <a:pPr lvl="3"/>
-            <a:endParaRPr lang="en-US" dirty="0"/>
-          </a:p>
-          <a:p>
-            <a:r>
-              <a:rPr lang="en-US" dirty="0"/>
-              <a:t>Recovery Rate: 50%</a:t>
-            </a:r>
-          </a:p>
-        </p:txBody>
-      </p:sp>
+        </p:nvPicPr>
+        <p:blipFill>
+          <a:blip r:embed="rId2">
+            <a:extLst>
+              <a:ext uri="{28A0092B-C50C-407E-A947-70E740481C1C}">
+                <a14:useLocalDpi xmlns:a14="http://schemas.microsoft.com/office/drawing/2010/main" val="0"/>
+              </a:ext>
+            </a:extLst>
+          </a:blip>
+          <a:stretch>
+            <a:fillRect/>
+          </a:stretch>
+        </p:blipFill>
+        <p:spPr>
+          <a:xfrm>
+            <a:off x="828136" y="707210"/>
+            <a:ext cx="7487728" cy="5443580"/>
+          </a:xfrm>
+        </p:spPr>
+      </p:pic>
       <p:sp>
         <p:nvSpPr>
           <p:cNvPr id="4" name="Date Placeholder 3">
             <a:extLst>
               <a:ext uri="{FF2B5EF4-FFF2-40B4-BE49-F238E27FC236}">
-                <a16:creationId xmlns:a16="http://schemas.microsoft.com/office/drawing/2014/main" id="{1BFB0351-3B31-0A13-EF20-C4A3CC072A19}"/>
+                <a16:creationId xmlns:a16="http://schemas.microsoft.com/office/drawing/2014/main" id="{5B77E60C-75B6-BEAA-2656-4A1B0963193D}"/>
               </a:ext>
             </a:extLst>
           </p:cNvPr>
@@ -11806,7 +12965,7 @@
           <p:cNvPr id="5" name="Footer Placeholder 4">
             <a:extLst>
               <a:ext uri="{FF2B5EF4-FFF2-40B4-BE49-F238E27FC236}">
-                <a16:creationId xmlns:a16="http://schemas.microsoft.com/office/drawing/2014/main" id="{A9233D7A-D6BD-BE76-F1E0-6547AA8CCAD4}"/>
+                <a16:creationId xmlns:a16="http://schemas.microsoft.com/office/drawing/2014/main" id="{50A61CDF-F8AC-C331-FDF0-04A3B1CE6B9C}"/>
               </a:ext>
             </a:extLst>
           </p:cNvPr>
@@ -11834,7 +12993,7 @@
           <p:cNvPr id="6" name="Slide Number Placeholder 5">
             <a:extLst>
               <a:ext uri="{FF2B5EF4-FFF2-40B4-BE49-F238E27FC236}">
-                <a16:creationId xmlns:a16="http://schemas.microsoft.com/office/drawing/2014/main" id="{99292573-8F29-6580-AFF7-797F8A981971}"/>
+                <a16:creationId xmlns:a16="http://schemas.microsoft.com/office/drawing/2014/main" id="{8D536124-0D0D-64D1-6DD1-925BD37B88CA}"/>
               </a:ext>
             </a:extLst>
           </p:cNvPr>
@@ -11861,7 +13020,7 @@
     </p:spTree>
     <p:extLst>
       <p:ext uri="{BB962C8B-B14F-4D97-AF65-F5344CB8AC3E}">
-        <p14:creationId xmlns:p14="http://schemas.microsoft.com/office/powerpoint/2010/main" val="3965312490"/>
+        <p14:creationId xmlns:p14="http://schemas.microsoft.com/office/powerpoint/2010/main" val="1896493785"/>
       </p:ext>
     </p:extLst>
   </p:cSld>
@@ -11911,6 +13070,249 @@
           <a:p>
             <a:r>
               <a:rPr lang="en-US" dirty="0"/>
+              <a:t>Quiz #1 “Recovery” Office Hours</a:t>
+            </a:r>
+          </a:p>
+        </p:txBody>
+      </p:sp>
+      <p:sp>
+        <p:nvSpPr>
+          <p:cNvPr id="3" name="Content Placeholder 2">
+            <a:extLst>
+              <a:ext uri="{FF2B5EF4-FFF2-40B4-BE49-F238E27FC236}">
+                <a16:creationId xmlns:a16="http://schemas.microsoft.com/office/drawing/2014/main" id="{B8B4D1D4-EA4B-DF09-BAF9-16891DCF122C}"/>
+              </a:ext>
+            </a:extLst>
+          </p:cNvPr>
+          <p:cNvSpPr>
+            <a:spLocks noGrp="1"/>
+          </p:cNvSpPr>
+          <p:nvPr>
+            <p:ph idx="1"/>
+          </p:nvPr>
+        </p:nvSpPr>
+        <p:spPr/>
+        <p:txBody>
+          <a:bodyPr>
+            <a:normAutofit/>
+          </a:bodyPr>
+          <a:lstStyle/>
+          <a:p>
+            <a:r>
+              <a:rPr lang="en-US" dirty="0">
+                <a:hlinkClick r:id="rId2"/>
+              </a:rPr>
+              <a:t>https://calendly.com/brianhwpark</a:t>
+            </a:r>
+            <a:endParaRPr lang="en-US" dirty="0"/>
+          </a:p>
+          <a:p>
+            <a:pPr lvl="4"/>
+            <a:endParaRPr lang="en-US" dirty="0"/>
+          </a:p>
+          <a:p>
+            <a:r>
+              <a:rPr lang="en-US" dirty="0"/>
+              <a:t>Venue: Rm. 248 Center for Science and Business</a:t>
+            </a:r>
+          </a:p>
+          <a:p>
+            <a:pPr lvl="3"/>
+            <a:endParaRPr lang="en-US" dirty="0"/>
+          </a:p>
+          <a:p>
+            <a:r>
+              <a:rPr lang="en-US" dirty="0"/>
+              <a:t>Dates: Feb. 12</a:t>
+            </a:r>
+            <a:r>
+              <a:rPr lang="en-US" baseline="30000" dirty="0"/>
+              <a:t>th</a:t>
+            </a:r>
+            <a:r>
+              <a:rPr lang="en-US" dirty="0"/>
+              <a:t> ~ Feb. 16</a:t>
+            </a:r>
+            <a:r>
+              <a:rPr lang="en-US" baseline="30000" dirty="0"/>
+              <a:t>th</a:t>
+            </a:r>
+            <a:r>
+              <a:rPr lang="en-US" dirty="0"/>
+              <a:t> , 2024</a:t>
+            </a:r>
+          </a:p>
+          <a:p>
+            <a:pPr lvl="3"/>
+            <a:endParaRPr lang="en-US" dirty="0"/>
+          </a:p>
+          <a:p>
+            <a:r>
+              <a:rPr lang="en-US" dirty="0"/>
+              <a:t>Length: 30 Minutes per Session</a:t>
+            </a:r>
+          </a:p>
+          <a:p>
+            <a:pPr lvl="3"/>
+            <a:endParaRPr lang="en-US" dirty="0"/>
+          </a:p>
+          <a:p>
+            <a:r>
+              <a:rPr lang="en-US" dirty="0"/>
+              <a:t>Use the Whiteboard / Paper to correct your answers.</a:t>
+            </a:r>
+          </a:p>
+          <a:p>
+            <a:pPr lvl="3"/>
+            <a:endParaRPr lang="en-US" dirty="0"/>
+          </a:p>
+          <a:p>
+            <a:r>
+              <a:rPr lang="en-US" dirty="0"/>
+              <a:t>Recovery Rate: 50%</a:t>
+            </a:r>
+          </a:p>
+        </p:txBody>
+      </p:sp>
+      <p:sp>
+        <p:nvSpPr>
+          <p:cNvPr id="4" name="Date Placeholder 3">
+            <a:extLst>
+              <a:ext uri="{FF2B5EF4-FFF2-40B4-BE49-F238E27FC236}">
+                <a16:creationId xmlns:a16="http://schemas.microsoft.com/office/drawing/2014/main" id="{1BFB0351-3B31-0A13-EF20-C4A3CC072A19}"/>
+              </a:ext>
+            </a:extLst>
+          </p:cNvPr>
+          <p:cNvSpPr>
+            <a:spLocks noGrp="1"/>
+          </p:cNvSpPr>
+          <p:nvPr>
+            <p:ph type="dt" sz="half" idx="10"/>
+          </p:nvPr>
+        </p:nvSpPr>
+        <p:spPr/>
+        <p:txBody>
+          <a:bodyPr/>
+          <a:lstStyle/>
+          <a:p>
+            <a:r>
+              <a:rPr lang="en-US"/>
+              <a:t>Spring 2024</a:t>
+            </a:r>
+            <a:endParaRPr lang="en-US" dirty="0"/>
+          </a:p>
+        </p:txBody>
+      </p:sp>
+      <p:sp>
+        <p:nvSpPr>
+          <p:cNvPr id="5" name="Footer Placeholder 4">
+            <a:extLst>
+              <a:ext uri="{FF2B5EF4-FFF2-40B4-BE49-F238E27FC236}">
+                <a16:creationId xmlns:a16="http://schemas.microsoft.com/office/drawing/2014/main" id="{A9233D7A-D6BD-BE76-F1E0-6547AA8CCAD4}"/>
+              </a:ext>
+            </a:extLst>
+          </p:cNvPr>
+          <p:cNvSpPr>
+            <a:spLocks noGrp="1"/>
+          </p:cNvSpPr>
+          <p:nvPr>
+            <p:ph type="ftr" sz="quarter" idx="11"/>
+          </p:nvPr>
+        </p:nvSpPr>
+        <p:spPr/>
+        <p:txBody>
+          <a:bodyPr/>
+          <a:lstStyle/>
+          <a:p>
+            <a:r>
+              <a:rPr lang="en-US" dirty="0"/>
+              <a:t>DEPARTMENT OF BUSINESS &amp; ECONOMICS</a:t>
+            </a:r>
+          </a:p>
+        </p:txBody>
+      </p:sp>
+      <p:sp>
+        <p:nvSpPr>
+          <p:cNvPr id="6" name="Slide Number Placeholder 5">
+            <a:extLst>
+              <a:ext uri="{FF2B5EF4-FFF2-40B4-BE49-F238E27FC236}">
+                <a16:creationId xmlns:a16="http://schemas.microsoft.com/office/drawing/2014/main" id="{99292573-8F29-6580-AFF7-797F8A981971}"/>
+              </a:ext>
+            </a:extLst>
+          </p:cNvPr>
+          <p:cNvSpPr>
+            <a:spLocks noGrp="1"/>
+          </p:cNvSpPr>
+          <p:nvPr>
+            <p:ph type="sldNum" sz="quarter" idx="12"/>
+          </p:nvPr>
+        </p:nvSpPr>
+        <p:spPr/>
+        <p:txBody>
+          <a:bodyPr/>
+          <a:lstStyle/>
+          <a:p>
+            <a:fld id="{1A980C56-831A-4EAB-9EDE-57C090F4F877}" type="slidenum">
+              <a:rPr lang="en-US" smtClean="0"/>
+              <a:t>3</a:t>
+            </a:fld>
+            <a:endParaRPr lang="en-US" dirty="0"/>
+          </a:p>
+        </p:txBody>
+      </p:sp>
+    </p:spTree>
+    <p:extLst>
+      <p:ext uri="{BB962C8B-B14F-4D97-AF65-F5344CB8AC3E}">
+        <p14:creationId xmlns:p14="http://schemas.microsoft.com/office/powerpoint/2010/main" val="3965312490"/>
+      </p:ext>
+    </p:extLst>
+  </p:cSld>
+  <p:clrMapOvr>
+    <a:masterClrMapping/>
+  </p:clrMapOvr>
+</p:sld>
+</file>
+
+<file path=ppt/slides/slide4.xml><?xml version="1.0" encoding="utf-8"?>
+<p:sld xmlns:a="http://schemas.openxmlformats.org/drawingml/2006/main" xmlns:r="http://schemas.openxmlformats.org/officeDocument/2006/relationships" xmlns:p="http://schemas.openxmlformats.org/presentationml/2006/main">
+  <p:cSld>
+    <p:spTree>
+      <p:nvGrpSpPr>
+        <p:cNvPr id="1" name=""/>
+        <p:cNvGrpSpPr/>
+        <p:nvPr/>
+      </p:nvGrpSpPr>
+      <p:grpSpPr>
+        <a:xfrm>
+          <a:off x="0" y="0"/>
+          <a:ext cx="0" cy="0"/>
+          <a:chOff x="0" y="0"/>
+          <a:chExt cx="0" cy="0"/>
+        </a:xfrm>
+      </p:grpSpPr>
+      <p:sp>
+        <p:nvSpPr>
+          <p:cNvPr id="2" name="Title 1">
+            <a:extLst>
+              <a:ext uri="{FF2B5EF4-FFF2-40B4-BE49-F238E27FC236}">
+                <a16:creationId xmlns:a16="http://schemas.microsoft.com/office/drawing/2014/main" id="{D695E1D0-AC50-75BC-2F86-0F207240C764}"/>
+              </a:ext>
+            </a:extLst>
+          </p:cNvPr>
+          <p:cNvSpPr>
+            <a:spLocks noGrp="1"/>
+          </p:cNvSpPr>
+          <p:nvPr>
+            <p:ph type="title"/>
+          </p:nvPr>
+        </p:nvSpPr>
+        <p:spPr/>
+        <p:txBody>
+          <a:bodyPr/>
+          <a:lstStyle/>
+          <a:p>
+            <a:r>
+              <a:rPr lang="en-US" dirty="0"/>
               <a:t>Problem 1. Definitions</a:t>
             </a:r>
           </a:p>
@@ -12081,7 +13483,7 @@
           <a:p>
             <a:fld id="{1A980C56-831A-4EAB-9EDE-57C090F4F877}" type="slidenum">
               <a:rPr lang="en-US" smtClean="0"/>
-              <a:t>3</a:t>
+              <a:t>4</a:t>
             </a:fld>
             <a:endParaRPr lang="en-US" dirty="0"/>
           </a:p>
@@ -12091,604 +13493,6 @@
     <p:extLst>
       <p:ext uri="{BB962C8B-B14F-4D97-AF65-F5344CB8AC3E}">
         <p14:creationId xmlns:p14="http://schemas.microsoft.com/office/powerpoint/2010/main" val="1121203652"/>
-      </p:ext>
-    </p:extLst>
-  </p:cSld>
-  <p:clrMapOvr>
-    <a:masterClrMapping/>
-  </p:clrMapOvr>
-  <p:timing>
-    <p:tnLst>
-      <p:par>
-        <p:cTn id="1" dur="indefinite" restart="never" nodeType="tmRoot">
-          <p:childTnLst>
-            <p:seq concurrent="1" nextAc="seek">
-              <p:cTn id="2" dur="indefinite" nodeType="mainSeq">
-                <p:childTnLst>
-                  <p:par>
-                    <p:cTn id="3" fill="hold">
-                      <p:stCondLst>
-                        <p:cond delay="indefinite"/>
-                        <p:cond evt="onBegin" delay="0">
-                          <p:tn val="2"/>
-                        </p:cond>
-                      </p:stCondLst>
-                      <p:childTnLst>
-                        <p:par>
-                          <p:cTn id="4" fill="hold">
-                            <p:stCondLst>
-                              <p:cond delay="0"/>
-                            </p:stCondLst>
-                            <p:childTnLst>
-                              <p:par>
-                                <p:cTn id="5" presetID="10" presetClass="entr" presetSubtype="0" fill="hold" nodeType="withEffect">
-                                  <p:stCondLst>
-                                    <p:cond delay="0"/>
-                                  </p:stCondLst>
-                                  <p:childTnLst>
-                                    <p:set>
-                                      <p:cBhvr>
-                                        <p:cTn id="6" dur="1" fill="hold">
-                                          <p:stCondLst>
-                                            <p:cond delay="0"/>
-                                          </p:stCondLst>
-                                        </p:cTn>
-                                        <p:tgtEl>
-                                          <p:spTgt spid="3">
-                                            <p:txEl>
-                                              <p:pRg st="0" end="0"/>
-                                            </p:txEl>
-                                          </p:spTgt>
-                                        </p:tgtEl>
-                                        <p:attrNameLst>
-                                          <p:attrName>style.visibility</p:attrName>
-                                        </p:attrNameLst>
-                                      </p:cBhvr>
-                                      <p:to>
-                                        <p:strVal val="visible"/>
-                                      </p:to>
-                                    </p:set>
-                                    <p:animEffect transition="in" filter="fade">
-                                      <p:cBhvr>
-                                        <p:cTn id="7" dur="500"/>
-                                        <p:tgtEl>
-                                          <p:spTgt spid="3">
-                                            <p:txEl>
-                                              <p:pRg st="0" end="0"/>
-                                            </p:txEl>
-                                          </p:spTgt>
-                                        </p:tgtEl>
-                                      </p:cBhvr>
-                                    </p:animEffect>
-                                  </p:childTnLst>
-                                </p:cTn>
-                              </p:par>
-                              <p:par>
-                                <p:cTn id="8" presetID="10" presetClass="entr" presetSubtype="0" fill="hold" nodeType="withEffect">
-                                  <p:stCondLst>
-                                    <p:cond delay="0"/>
-                                  </p:stCondLst>
-                                  <p:childTnLst>
-                                    <p:set>
-                                      <p:cBhvr>
-                                        <p:cTn id="9" dur="1" fill="hold">
-                                          <p:stCondLst>
-                                            <p:cond delay="0"/>
-                                          </p:stCondLst>
-                                        </p:cTn>
-                                        <p:tgtEl>
-                                          <p:spTgt spid="3">
-                                            <p:txEl>
-                                              <p:pRg st="3" end="3"/>
-                                            </p:txEl>
-                                          </p:spTgt>
-                                        </p:tgtEl>
-                                        <p:attrNameLst>
-                                          <p:attrName>style.visibility</p:attrName>
-                                        </p:attrNameLst>
-                                      </p:cBhvr>
-                                      <p:to>
-                                        <p:strVal val="visible"/>
-                                      </p:to>
-                                    </p:set>
-                                    <p:animEffect transition="in" filter="fade">
-                                      <p:cBhvr>
-                                        <p:cTn id="10" dur="500"/>
-                                        <p:tgtEl>
-                                          <p:spTgt spid="3">
-                                            <p:txEl>
-                                              <p:pRg st="3" end="3"/>
-                                            </p:txEl>
-                                          </p:spTgt>
-                                        </p:tgtEl>
-                                      </p:cBhvr>
-                                    </p:animEffect>
-                                  </p:childTnLst>
-                                </p:cTn>
-                              </p:par>
-                              <p:par>
-                                <p:cTn id="11" presetID="10" presetClass="entr" presetSubtype="0" fill="hold" nodeType="withEffect">
-                                  <p:stCondLst>
-                                    <p:cond delay="0"/>
-                                  </p:stCondLst>
-                                  <p:childTnLst>
-                                    <p:set>
-                                      <p:cBhvr>
-                                        <p:cTn id="12" dur="1" fill="hold">
-                                          <p:stCondLst>
-                                            <p:cond delay="0"/>
-                                          </p:stCondLst>
-                                        </p:cTn>
-                                        <p:tgtEl>
-                                          <p:spTgt spid="3">
-                                            <p:txEl>
-                                              <p:pRg st="6" end="6"/>
-                                            </p:txEl>
-                                          </p:spTgt>
-                                        </p:tgtEl>
-                                        <p:attrNameLst>
-                                          <p:attrName>style.visibility</p:attrName>
-                                        </p:attrNameLst>
-                                      </p:cBhvr>
-                                      <p:to>
-                                        <p:strVal val="visible"/>
-                                      </p:to>
-                                    </p:set>
-                                    <p:animEffect transition="in" filter="fade">
-                                      <p:cBhvr>
-                                        <p:cTn id="13" dur="500"/>
-                                        <p:tgtEl>
-                                          <p:spTgt spid="3">
-                                            <p:txEl>
-                                              <p:pRg st="6" end="6"/>
-                                            </p:txEl>
-                                          </p:spTgt>
-                                        </p:tgtEl>
-                                      </p:cBhvr>
-                                    </p:animEffect>
-                                  </p:childTnLst>
-                                </p:cTn>
-                              </p:par>
-                            </p:childTnLst>
-                          </p:cTn>
-                        </p:par>
-                      </p:childTnLst>
-                    </p:cTn>
-                  </p:par>
-                  <p:par>
-                    <p:cTn id="14" fill="hold">
-                      <p:stCondLst>
-                        <p:cond delay="indefinite"/>
-                      </p:stCondLst>
-                      <p:childTnLst>
-                        <p:par>
-                          <p:cTn id="15" fill="hold">
-                            <p:stCondLst>
-                              <p:cond delay="0"/>
-                            </p:stCondLst>
-                            <p:childTnLst>
-                              <p:par>
-                                <p:cTn id="16" presetID="10" presetClass="entr" presetSubtype="0" fill="hold" nodeType="clickEffect">
-                                  <p:stCondLst>
-                                    <p:cond delay="0"/>
-                                  </p:stCondLst>
-                                  <p:childTnLst>
-                                    <p:set>
-                                      <p:cBhvr>
-                                        <p:cTn id="17" dur="1" fill="hold">
-                                          <p:stCondLst>
-                                            <p:cond delay="0"/>
-                                          </p:stCondLst>
-                                        </p:cTn>
-                                        <p:tgtEl>
-                                          <p:spTgt spid="3">
-                                            <p:txEl>
-                                              <p:pRg st="1" end="1"/>
-                                            </p:txEl>
-                                          </p:spTgt>
-                                        </p:tgtEl>
-                                        <p:attrNameLst>
-                                          <p:attrName>style.visibility</p:attrName>
-                                        </p:attrNameLst>
-                                      </p:cBhvr>
-                                      <p:to>
-                                        <p:strVal val="visible"/>
-                                      </p:to>
-                                    </p:set>
-                                    <p:animEffect transition="in" filter="fade">
-                                      <p:cBhvr>
-                                        <p:cTn id="18" dur="500"/>
-                                        <p:tgtEl>
-                                          <p:spTgt spid="3">
-                                            <p:txEl>
-                                              <p:pRg st="1" end="1"/>
-                                            </p:txEl>
-                                          </p:spTgt>
-                                        </p:tgtEl>
-                                      </p:cBhvr>
-                                    </p:animEffect>
-                                  </p:childTnLst>
-                                </p:cTn>
-                              </p:par>
-                            </p:childTnLst>
-                          </p:cTn>
-                        </p:par>
-                      </p:childTnLst>
-                    </p:cTn>
-                  </p:par>
-                  <p:par>
-                    <p:cTn id="19" fill="hold">
-                      <p:stCondLst>
-                        <p:cond delay="indefinite"/>
-                      </p:stCondLst>
-                      <p:childTnLst>
-                        <p:par>
-                          <p:cTn id="20" fill="hold">
-                            <p:stCondLst>
-                              <p:cond delay="0"/>
-                            </p:stCondLst>
-                            <p:childTnLst>
-                              <p:par>
-                                <p:cTn id="21" presetID="10" presetClass="entr" presetSubtype="0" fill="hold" nodeType="clickEffect">
-                                  <p:stCondLst>
-                                    <p:cond delay="0"/>
-                                  </p:stCondLst>
-                                  <p:childTnLst>
-                                    <p:set>
-                                      <p:cBhvr>
-                                        <p:cTn id="22" dur="1" fill="hold">
-                                          <p:stCondLst>
-                                            <p:cond delay="0"/>
-                                          </p:stCondLst>
-                                        </p:cTn>
-                                        <p:tgtEl>
-                                          <p:spTgt spid="3">
-                                            <p:txEl>
-                                              <p:pRg st="4" end="4"/>
-                                            </p:txEl>
-                                          </p:spTgt>
-                                        </p:tgtEl>
-                                        <p:attrNameLst>
-                                          <p:attrName>style.visibility</p:attrName>
-                                        </p:attrNameLst>
-                                      </p:cBhvr>
-                                      <p:to>
-                                        <p:strVal val="visible"/>
-                                      </p:to>
-                                    </p:set>
-                                    <p:animEffect transition="in" filter="fade">
-                                      <p:cBhvr>
-                                        <p:cTn id="23" dur="500"/>
-                                        <p:tgtEl>
-                                          <p:spTgt spid="3">
-                                            <p:txEl>
-                                              <p:pRg st="4" end="4"/>
-                                            </p:txEl>
-                                          </p:spTgt>
-                                        </p:tgtEl>
-                                      </p:cBhvr>
-                                    </p:animEffect>
-                                  </p:childTnLst>
-                                </p:cTn>
-                              </p:par>
-                            </p:childTnLst>
-                          </p:cTn>
-                        </p:par>
-                      </p:childTnLst>
-                    </p:cTn>
-                  </p:par>
-                  <p:par>
-                    <p:cTn id="24" fill="hold">
-                      <p:stCondLst>
-                        <p:cond delay="indefinite"/>
-                      </p:stCondLst>
-                      <p:childTnLst>
-                        <p:par>
-                          <p:cTn id="25" fill="hold">
-                            <p:stCondLst>
-                              <p:cond delay="0"/>
-                            </p:stCondLst>
-                            <p:childTnLst>
-                              <p:par>
-                                <p:cTn id="26" presetID="10" presetClass="entr" presetSubtype="0" fill="hold" nodeType="clickEffect">
-                                  <p:stCondLst>
-                                    <p:cond delay="0"/>
-                                  </p:stCondLst>
-                                  <p:childTnLst>
-                                    <p:set>
-                                      <p:cBhvr>
-                                        <p:cTn id="27" dur="1" fill="hold">
-                                          <p:stCondLst>
-                                            <p:cond delay="0"/>
-                                          </p:stCondLst>
-                                        </p:cTn>
-                                        <p:tgtEl>
-                                          <p:spTgt spid="3">
-                                            <p:txEl>
-                                              <p:pRg st="7" end="7"/>
-                                            </p:txEl>
-                                          </p:spTgt>
-                                        </p:tgtEl>
-                                        <p:attrNameLst>
-                                          <p:attrName>style.visibility</p:attrName>
-                                        </p:attrNameLst>
-                                      </p:cBhvr>
-                                      <p:to>
-                                        <p:strVal val="visible"/>
-                                      </p:to>
-                                    </p:set>
-                                    <p:animEffect transition="in" filter="fade">
-                                      <p:cBhvr>
-                                        <p:cTn id="28" dur="500"/>
-                                        <p:tgtEl>
-                                          <p:spTgt spid="3">
-                                            <p:txEl>
-                                              <p:pRg st="7" end="7"/>
-                                            </p:txEl>
-                                          </p:spTgt>
-                                        </p:tgtEl>
-                                      </p:cBhvr>
-                                    </p:animEffect>
-                                  </p:childTnLst>
-                                </p:cTn>
-                              </p:par>
-                            </p:childTnLst>
-                          </p:cTn>
-                        </p:par>
-                      </p:childTnLst>
-                    </p:cTn>
-                  </p:par>
-                </p:childTnLst>
-              </p:cTn>
-              <p:prevCondLst>
-                <p:cond evt="onPrev" delay="0">
-                  <p:tgtEl>
-                    <p:sldTgt/>
-                  </p:tgtEl>
-                </p:cond>
-              </p:prevCondLst>
-              <p:nextCondLst>
-                <p:cond evt="onNext" delay="0">
-                  <p:tgtEl>
-                    <p:sldTgt/>
-                  </p:tgtEl>
-                </p:cond>
-              </p:nextCondLst>
-            </p:seq>
-          </p:childTnLst>
-        </p:cTn>
-      </p:par>
-    </p:tnLst>
-  </p:timing>
-</p:sld>
-</file>
-
-<file path=ppt/slides/slide4.xml><?xml version="1.0" encoding="utf-8"?>
-<p:sld xmlns:a="http://schemas.openxmlformats.org/drawingml/2006/main" xmlns:r="http://schemas.openxmlformats.org/officeDocument/2006/relationships" xmlns:p="http://schemas.openxmlformats.org/presentationml/2006/main">
-  <p:cSld>
-    <p:spTree>
-      <p:nvGrpSpPr>
-        <p:cNvPr id="1" name="">
-          <a:extLst>
-            <a:ext uri="{FF2B5EF4-FFF2-40B4-BE49-F238E27FC236}">
-              <a16:creationId xmlns:a16="http://schemas.microsoft.com/office/drawing/2014/main" id="{8EC03FC7-4AD0-08D4-F495-8C48D7A71401}"/>
-            </a:ext>
-          </a:extLst>
-        </p:cNvPr>
-        <p:cNvGrpSpPr/>
-        <p:nvPr/>
-      </p:nvGrpSpPr>
-      <p:grpSpPr>
-        <a:xfrm>
-          <a:off x="0" y="0"/>
-          <a:ext cx="0" cy="0"/>
-          <a:chOff x="0" y="0"/>
-          <a:chExt cx="0" cy="0"/>
-        </a:xfrm>
-      </p:grpSpPr>
-      <p:sp>
-        <p:nvSpPr>
-          <p:cNvPr id="2" name="Title 1">
-            <a:extLst>
-              <a:ext uri="{FF2B5EF4-FFF2-40B4-BE49-F238E27FC236}">
-                <a16:creationId xmlns:a16="http://schemas.microsoft.com/office/drawing/2014/main" id="{4925F255-924E-DF71-4DE0-CCBC4BA81FCB}"/>
-              </a:ext>
-            </a:extLst>
-          </p:cNvPr>
-          <p:cNvSpPr>
-            <a:spLocks noGrp="1"/>
-          </p:cNvSpPr>
-          <p:nvPr>
-            <p:ph type="title"/>
-          </p:nvPr>
-        </p:nvSpPr>
-        <p:spPr/>
-        <p:txBody>
-          <a:bodyPr/>
-          <a:lstStyle/>
-          <a:p>
-            <a:r>
-              <a:rPr lang="en-US" dirty="0"/>
-              <a:t>Problem 1. Definitions</a:t>
-            </a:r>
-          </a:p>
-        </p:txBody>
-      </p:sp>
-      <p:sp>
-        <p:nvSpPr>
-          <p:cNvPr id="3" name="Content Placeholder 2">
-            <a:extLst>
-              <a:ext uri="{FF2B5EF4-FFF2-40B4-BE49-F238E27FC236}">
-                <a16:creationId xmlns:a16="http://schemas.microsoft.com/office/drawing/2014/main" id="{64C186F9-9849-DF19-443F-D3838ED7AC3D}"/>
-              </a:ext>
-            </a:extLst>
-          </p:cNvPr>
-          <p:cNvSpPr>
-            <a:spLocks noGrp="1"/>
-          </p:cNvSpPr>
-          <p:nvPr>
-            <p:ph idx="1"/>
-          </p:nvPr>
-        </p:nvSpPr>
-        <p:spPr/>
-        <p:txBody>
-          <a:bodyPr/>
-          <a:lstStyle/>
-          <a:p>
-            <a:r>
-              <a:rPr lang="en-US" dirty="0"/>
-              <a:t>Frictional Unemployment</a:t>
-            </a:r>
-          </a:p>
-          <a:p>
-            <a:pPr lvl="1"/>
-            <a:r>
-              <a:rPr lang="en-US" dirty="0">
-                <a:solidFill>
-                  <a:srgbClr val="FF0000"/>
-                </a:solidFill>
-              </a:rPr>
-              <a:t>The type of unemployment that occurs due to the natural workings of the labor market; job search and matching.</a:t>
-            </a:r>
-          </a:p>
-          <a:p>
-            <a:pPr lvl="3"/>
-            <a:endParaRPr lang="en-US" dirty="0"/>
-          </a:p>
-          <a:p>
-            <a:r>
-              <a:rPr lang="en-US" dirty="0"/>
-              <a:t>Consumer Price Index</a:t>
-            </a:r>
-          </a:p>
-          <a:p>
-            <a:pPr lvl="1"/>
-            <a:r>
-              <a:rPr lang="en-US" dirty="0">
-                <a:solidFill>
-                  <a:srgbClr val="FF0000"/>
-                </a:solidFill>
-              </a:rPr>
-              <a:t>The measure of the average change over time in the prices paid by consumers for a basket of consumer goods and services.</a:t>
-            </a:r>
-          </a:p>
-          <a:p>
-            <a:pPr lvl="3"/>
-            <a:endParaRPr lang="en-US" dirty="0">
-              <a:solidFill>
-                <a:srgbClr val="FF0000"/>
-              </a:solidFill>
-            </a:endParaRPr>
-          </a:p>
-          <a:p>
-            <a:r>
-              <a:rPr lang="en-US" dirty="0"/>
-              <a:t>Intermediate Goods</a:t>
-            </a:r>
-          </a:p>
-          <a:p>
-            <a:pPr lvl="1"/>
-            <a:r>
-              <a:rPr lang="en-US" dirty="0">
-                <a:solidFill>
-                  <a:srgbClr val="FF0000"/>
-                </a:solidFill>
-              </a:rPr>
-              <a:t>Goods that are used as factors of production in producing other final goods and services.</a:t>
-            </a:r>
-          </a:p>
-        </p:txBody>
-      </p:sp>
-      <p:sp>
-        <p:nvSpPr>
-          <p:cNvPr id="4" name="Date Placeholder 3">
-            <a:extLst>
-              <a:ext uri="{FF2B5EF4-FFF2-40B4-BE49-F238E27FC236}">
-                <a16:creationId xmlns:a16="http://schemas.microsoft.com/office/drawing/2014/main" id="{8A4C3E74-D185-2DA7-E2A1-7B1F64F7A1DC}"/>
-              </a:ext>
-            </a:extLst>
-          </p:cNvPr>
-          <p:cNvSpPr>
-            <a:spLocks noGrp="1"/>
-          </p:cNvSpPr>
-          <p:nvPr>
-            <p:ph type="dt" sz="half" idx="10"/>
-          </p:nvPr>
-        </p:nvSpPr>
-        <p:spPr/>
-        <p:txBody>
-          <a:bodyPr/>
-          <a:lstStyle/>
-          <a:p>
-            <a:r>
-              <a:rPr lang="en-US"/>
-              <a:t>Spring 2024</a:t>
-            </a:r>
-            <a:endParaRPr lang="en-US" dirty="0"/>
-          </a:p>
-        </p:txBody>
-      </p:sp>
-      <p:sp>
-        <p:nvSpPr>
-          <p:cNvPr id="5" name="Footer Placeholder 4">
-            <a:extLst>
-              <a:ext uri="{FF2B5EF4-FFF2-40B4-BE49-F238E27FC236}">
-                <a16:creationId xmlns:a16="http://schemas.microsoft.com/office/drawing/2014/main" id="{9555D783-8034-CDD4-508A-FBF57871000D}"/>
-              </a:ext>
-            </a:extLst>
-          </p:cNvPr>
-          <p:cNvSpPr>
-            <a:spLocks noGrp="1"/>
-          </p:cNvSpPr>
-          <p:nvPr>
-            <p:ph type="ftr" sz="quarter" idx="11"/>
-          </p:nvPr>
-        </p:nvSpPr>
-        <p:spPr/>
-        <p:txBody>
-          <a:bodyPr/>
-          <a:lstStyle/>
-          <a:p>
-            <a:r>
-              <a:rPr lang="en-US" dirty="0"/>
-              <a:t>DEPARTMENT OF BUSINESS &amp; ECONOMICS</a:t>
-            </a:r>
-          </a:p>
-        </p:txBody>
-      </p:sp>
-      <p:sp>
-        <p:nvSpPr>
-          <p:cNvPr id="6" name="Slide Number Placeholder 5">
-            <a:extLst>
-              <a:ext uri="{FF2B5EF4-FFF2-40B4-BE49-F238E27FC236}">
-                <a16:creationId xmlns:a16="http://schemas.microsoft.com/office/drawing/2014/main" id="{16CEB1C6-1A4D-BC16-DF69-2221DCA57E0A}"/>
-              </a:ext>
-            </a:extLst>
-          </p:cNvPr>
-          <p:cNvSpPr>
-            <a:spLocks noGrp="1"/>
-          </p:cNvSpPr>
-          <p:nvPr>
-            <p:ph type="sldNum" sz="quarter" idx="12"/>
-          </p:nvPr>
-        </p:nvSpPr>
-        <p:spPr/>
-        <p:txBody>
-          <a:bodyPr/>
-          <a:lstStyle/>
-          <a:p>
-            <a:fld id="{1A980C56-831A-4EAB-9EDE-57C090F4F877}" type="slidenum">
-              <a:rPr lang="en-US" smtClean="0"/>
-              <a:t>4</a:t>
-            </a:fld>
-            <a:endParaRPr lang="en-US" dirty="0"/>
-          </a:p>
-        </p:txBody>
-      </p:sp>
-    </p:spTree>
-    <p:extLst>
-      <p:ext uri="{BB962C8B-B14F-4D97-AF65-F5344CB8AC3E}">
-        <p14:creationId xmlns:p14="http://schemas.microsoft.com/office/powerpoint/2010/main" val="383865978"/>
       </p:ext>
     </p:extLst>
   </p:cSld>
@@ -13069,6 +13873,604 @@
         <p:cNvPr id="1" name="">
           <a:extLst>
             <a:ext uri="{FF2B5EF4-FFF2-40B4-BE49-F238E27FC236}">
+              <a16:creationId xmlns:a16="http://schemas.microsoft.com/office/drawing/2014/main" id="{8EC03FC7-4AD0-08D4-F495-8C48D7A71401}"/>
+            </a:ext>
+          </a:extLst>
+        </p:cNvPr>
+        <p:cNvGrpSpPr/>
+        <p:nvPr/>
+      </p:nvGrpSpPr>
+      <p:grpSpPr>
+        <a:xfrm>
+          <a:off x="0" y="0"/>
+          <a:ext cx="0" cy="0"/>
+          <a:chOff x="0" y="0"/>
+          <a:chExt cx="0" cy="0"/>
+        </a:xfrm>
+      </p:grpSpPr>
+      <p:sp>
+        <p:nvSpPr>
+          <p:cNvPr id="2" name="Title 1">
+            <a:extLst>
+              <a:ext uri="{FF2B5EF4-FFF2-40B4-BE49-F238E27FC236}">
+                <a16:creationId xmlns:a16="http://schemas.microsoft.com/office/drawing/2014/main" id="{4925F255-924E-DF71-4DE0-CCBC4BA81FCB}"/>
+              </a:ext>
+            </a:extLst>
+          </p:cNvPr>
+          <p:cNvSpPr>
+            <a:spLocks noGrp="1"/>
+          </p:cNvSpPr>
+          <p:nvPr>
+            <p:ph type="title"/>
+          </p:nvPr>
+        </p:nvSpPr>
+        <p:spPr/>
+        <p:txBody>
+          <a:bodyPr/>
+          <a:lstStyle/>
+          <a:p>
+            <a:r>
+              <a:rPr lang="en-US" dirty="0"/>
+              <a:t>Problem 1. Definitions</a:t>
+            </a:r>
+          </a:p>
+        </p:txBody>
+      </p:sp>
+      <p:sp>
+        <p:nvSpPr>
+          <p:cNvPr id="3" name="Content Placeholder 2">
+            <a:extLst>
+              <a:ext uri="{FF2B5EF4-FFF2-40B4-BE49-F238E27FC236}">
+                <a16:creationId xmlns:a16="http://schemas.microsoft.com/office/drawing/2014/main" id="{64C186F9-9849-DF19-443F-D3838ED7AC3D}"/>
+              </a:ext>
+            </a:extLst>
+          </p:cNvPr>
+          <p:cNvSpPr>
+            <a:spLocks noGrp="1"/>
+          </p:cNvSpPr>
+          <p:nvPr>
+            <p:ph idx="1"/>
+          </p:nvPr>
+        </p:nvSpPr>
+        <p:spPr/>
+        <p:txBody>
+          <a:bodyPr/>
+          <a:lstStyle/>
+          <a:p>
+            <a:r>
+              <a:rPr lang="en-US" dirty="0"/>
+              <a:t>Frictional Unemployment</a:t>
+            </a:r>
+          </a:p>
+          <a:p>
+            <a:pPr lvl="1"/>
+            <a:r>
+              <a:rPr lang="en-US" dirty="0">
+                <a:solidFill>
+                  <a:srgbClr val="FF0000"/>
+                </a:solidFill>
+              </a:rPr>
+              <a:t>The type of unemployment that occurs due to the natural workings of the labor market; job search and matching.</a:t>
+            </a:r>
+          </a:p>
+          <a:p>
+            <a:pPr lvl="3"/>
+            <a:endParaRPr lang="en-US" dirty="0"/>
+          </a:p>
+          <a:p>
+            <a:r>
+              <a:rPr lang="en-US" dirty="0"/>
+              <a:t>Consumer Price Index</a:t>
+            </a:r>
+          </a:p>
+          <a:p>
+            <a:pPr lvl="1"/>
+            <a:r>
+              <a:rPr lang="en-US" dirty="0">
+                <a:solidFill>
+                  <a:srgbClr val="FF0000"/>
+                </a:solidFill>
+              </a:rPr>
+              <a:t>The measure of the average change over time in the prices paid by consumers for a basket of consumer goods and services.</a:t>
+            </a:r>
+          </a:p>
+          <a:p>
+            <a:pPr lvl="3"/>
+            <a:endParaRPr lang="en-US" dirty="0">
+              <a:solidFill>
+                <a:srgbClr val="FF0000"/>
+              </a:solidFill>
+            </a:endParaRPr>
+          </a:p>
+          <a:p>
+            <a:r>
+              <a:rPr lang="en-US" dirty="0"/>
+              <a:t>Intermediate Goods</a:t>
+            </a:r>
+          </a:p>
+          <a:p>
+            <a:pPr lvl="1"/>
+            <a:r>
+              <a:rPr lang="en-US" dirty="0">
+                <a:solidFill>
+                  <a:srgbClr val="FF0000"/>
+                </a:solidFill>
+              </a:rPr>
+              <a:t>Goods that are used as factors of production in producing other final goods and services.</a:t>
+            </a:r>
+          </a:p>
+        </p:txBody>
+      </p:sp>
+      <p:sp>
+        <p:nvSpPr>
+          <p:cNvPr id="4" name="Date Placeholder 3">
+            <a:extLst>
+              <a:ext uri="{FF2B5EF4-FFF2-40B4-BE49-F238E27FC236}">
+                <a16:creationId xmlns:a16="http://schemas.microsoft.com/office/drawing/2014/main" id="{8A4C3E74-D185-2DA7-E2A1-7B1F64F7A1DC}"/>
+              </a:ext>
+            </a:extLst>
+          </p:cNvPr>
+          <p:cNvSpPr>
+            <a:spLocks noGrp="1"/>
+          </p:cNvSpPr>
+          <p:nvPr>
+            <p:ph type="dt" sz="half" idx="10"/>
+          </p:nvPr>
+        </p:nvSpPr>
+        <p:spPr/>
+        <p:txBody>
+          <a:bodyPr/>
+          <a:lstStyle/>
+          <a:p>
+            <a:r>
+              <a:rPr lang="en-US"/>
+              <a:t>Spring 2024</a:t>
+            </a:r>
+            <a:endParaRPr lang="en-US" dirty="0"/>
+          </a:p>
+        </p:txBody>
+      </p:sp>
+      <p:sp>
+        <p:nvSpPr>
+          <p:cNvPr id="5" name="Footer Placeholder 4">
+            <a:extLst>
+              <a:ext uri="{FF2B5EF4-FFF2-40B4-BE49-F238E27FC236}">
+                <a16:creationId xmlns:a16="http://schemas.microsoft.com/office/drawing/2014/main" id="{9555D783-8034-CDD4-508A-FBF57871000D}"/>
+              </a:ext>
+            </a:extLst>
+          </p:cNvPr>
+          <p:cNvSpPr>
+            <a:spLocks noGrp="1"/>
+          </p:cNvSpPr>
+          <p:nvPr>
+            <p:ph type="ftr" sz="quarter" idx="11"/>
+          </p:nvPr>
+        </p:nvSpPr>
+        <p:spPr/>
+        <p:txBody>
+          <a:bodyPr/>
+          <a:lstStyle/>
+          <a:p>
+            <a:r>
+              <a:rPr lang="en-US" dirty="0"/>
+              <a:t>DEPARTMENT OF BUSINESS &amp; ECONOMICS</a:t>
+            </a:r>
+          </a:p>
+        </p:txBody>
+      </p:sp>
+      <p:sp>
+        <p:nvSpPr>
+          <p:cNvPr id="6" name="Slide Number Placeholder 5">
+            <a:extLst>
+              <a:ext uri="{FF2B5EF4-FFF2-40B4-BE49-F238E27FC236}">
+                <a16:creationId xmlns:a16="http://schemas.microsoft.com/office/drawing/2014/main" id="{16CEB1C6-1A4D-BC16-DF69-2221DCA57E0A}"/>
+              </a:ext>
+            </a:extLst>
+          </p:cNvPr>
+          <p:cNvSpPr>
+            <a:spLocks noGrp="1"/>
+          </p:cNvSpPr>
+          <p:nvPr>
+            <p:ph type="sldNum" sz="quarter" idx="12"/>
+          </p:nvPr>
+        </p:nvSpPr>
+        <p:spPr/>
+        <p:txBody>
+          <a:bodyPr/>
+          <a:lstStyle/>
+          <a:p>
+            <a:fld id="{1A980C56-831A-4EAB-9EDE-57C090F4F877}" type="slidenum">
+              <a:rPr lang="en-US" smtClean="0"/>
+              <a:t>5</a:t>
+            </a:fld>
+            <a:endParaRPr lang="en-US" dirty="0"/>
+          </a:p>
+        </p:txBody>
+      </p:sp>
+    </p:spTree>
+    <p:extLst>
+      <p:ext uri="{BB962C8B-B14F-4D97-AF65-F5344CB8AC3E}">
+        <p14:creationId xmlns:p14="http://schemas.microsoft.com/office/powerpoint/2010/main" val="383865978"/>
+      </p:ext>
+    </p:extLst>
+  </p:cSld>
+  <p:clrMapOvr>
+    <a:masterClrMapping/>
+  </p:clrMapOvr>
+  <p:timing>
+    <p:tnLst>
+      <p:par>
+        <p:cTn id="1" dur="indefinite" restart="never" nodeType="tmRoot">
+          <p:childTnLst>
+            <p:seq concurrent="1" nextAc="seek">
+              <p:cTn id="2" dur="indefinite" nodeType="mainSeq">
+                <p:childTnLst>
+                  <p:par>
+                    <p:cTn id="3" fill="hold">
+                      <p:stCondLst>
+                        <p:cond delay="indefinite"/>
+                        <p:cond evt="onBegin" delay="0">
+                          <p:tn val="2"/>
+                        </p:cond>
+                      </p:stCondLst>
+                      <p:childTnLst>
+                        <p:par>
+                          <p:cTn id="4" fill="hold">
+                            <p:stCondLst>
+                              <p:cond delay="0"/>
+                            </p:stCondLst>
+                            <p:childTnLst>
+                              <p:par>
+                                <p:cTn id="5" presetID="10" presetClass="entr" presetSubtype="0" fill="hold" nodeType="withEffect">
+                                  <p:stCondLst>
+                                    <p:cond delay="0"/>
+                                  </p:stCondLst>
+                                  <p:childTnLst>
+                                    <p:set>
+                                      <p:cBhvr>
+                                        <p:cTn id="6" dur="1" fill="hold">
+                                          <p:stCondLst>
+                                            <p:cond delay="0"/>
+                                          </p:stCondLst>
+                                        </p:cTn>
+                                        <p:tgtEl>
+                                          <p:spTgt spid="3">
+                                            <p:txEl>
+                                              <p:pRg st="0" end="0"/>
+                                            </p:txEl>
+                                          </p:spTgt>
+                                        </p:tgtEl>
+                                        <p:attrNameLst>
+                                          <p:attrName>style.visibility</p:attrName>
+                                        </p:attrNameLst>
+                                      </p:cBhvr>
+                                      <p:to>
+                                        <p:strVal val="visible"/>
+                                      </p:to>
+                                    </p:set>
+                                    <p:animEffect transition="in" filter="fade">
+                                      <p:cBhvr>
+                                        <p:cTn id="7" dur="500"/>
+                                        <p:tgtEl>
+                                          <p:spTgt spid="3">
+                                            <p:txEl>
+                                              <p:pRg st="0" end="0"/>
+                                            </p:txEl>
+                                          </p:spTgt>
+                                        </p:tgtEl>
+                                      </p:cBhvr>
+                                    </p:animEffect>
+                                  </p:childTnLst>
+                                </p:cTn>
+                              </p:par>
+                              <p:par>
+                                <p:cTn id="8" presetID="10" presetClass="entr" presetSubtype="0" fill="hold" nodeType="withEffect">
+                                  <p:stCondLst>
+                                    <p:cond delay="0"/>
+                                  </p:stCondLst>
+                                  <p:childTnLst>
+                                    <p:set>
+                                      <p:cBhvr>
+                                        <p:cTn id="9" dur="1" fill="hold">
+                                          <p:stCondLst>
+                                            <p:cond delay="0"/>
+                                          </p:stCondLst>
+                                        </p:cTn>
+                                        <p:tgtEl>
+                                          <p:spTgt spid="3">
+                                            <p:txEl>
+                                              <p:pRg st="3" end="3"/>
+                                            </p:txEl>
+                                          </p:spTgt>
+                                        </p:tgtEl>
+                                        <p:attrNameLst>
+                                          <p:attrName>style.visibility</p:attrName>
+                                        </p:attrNameLst>
+                                      </p:cBhvr>
+                                      <p:to>
+                                        <p:strVal val="visible"/>
+                                      </p:to>
+                                    </p:set>
+                                    <p:animEffect transition="in" filter="fade">
+                                      <p:cBhvr>
+                                        <p:cTn id="10" dur="500"/>
+                                        <p:tgtEl>
+                                          <p:spTgt spid="3">
+                                            <p:txEl>
+                                              <p:pRg st="3" end="3"/>
+                                            </p:txEl>
+                                          </p:spTgt>
+                                        </p:tgtEl>
+                                      </p:cBhvr>
+                                    </p:animEffect>
+                                  </p:childTnLst>
+                                </p:cTn>
+                              </p:par>
+                              <p:par>
+                                <p:cTn id="11" presetID="10" presetClass="entr" presetSubtype="0" fill="hold" nodeType="withEffect">
+                                  <p:stCondLst>
+                                    <p:cond delay="0"/>
+                                  </p:stCondLst>
+                                  <p:childTnLst>
+                                    <p:set>
+                                      <p:cBhvr>
+                                        <p:cTn id="12" dur="1" fill="hold">
+                                          <p:stCondLst>
+                                            <p:cond delay="0"/>
+                                          </p:stCondLst>
+                                        </p:cTn>
+                                        <p:tgtEl>
+                                          <p:spTgt spid="3">
+                                            <p:txEl>
+                                              <p:pRg st="6" end="6"/>
+                                            </p:txEl>
+                                          </p:spTgt>
+                                        </p:tgtEl>
+                                        <p:attrNameLst>
+                                          <p:attrName>style.visibility</p:attrName>
+                                        </p:attrNameLst>
+                                      </p:cBhvr>
+                                      <p:to>
+                                        <p:strVal val="visible"/>
+                                      </p:to>
+                                    </p:set>
+                                    <p:animEffect transition="in" filter="fade">
+                                      <p:cBhvr>
+                                        <p:cTn id="13" dur="500"/>
+                                        <p:tgtEl>
+                                          <p:spTgt spid="3">
+                                            <p:txEl>
+                                              <p:pRg st="6" end="6"/>
+                                            </p:txEl>
+                                          </p:spTgt>
+                                        </p:tgtEl>
+                                      </p:cBhvr>
+                                    </p:animEffect>
+                                  </p:childTnLst>
+                                </p:cTn>
+                              </p:par>
+                            </p:childTnLst>
+                          </p:cTn>
+                        </p:par>
+                      </p:childTnLst>
+                    </p:cTn>
+                  </p:par>
+                  <p:par>
+                    <p:cTn id="14" fill="hold">
+                      <p:stCondLst>
+                        <p:cond delay="indefinite"/>
+                      </p:stCondLst>
+                      <p:childTnLst>
+                        <p:par>
+                          <p:cTn id="15" fill="hold">
+                            <p:stCondLst>
+                              <p:cond delay="0"/>
+                            </p:stCondLst>
+                            <p:childTnLst>
+                              <p:par>
+                                <p:cTn id="16" presetID="10" presetClass="entr" presetSubtype="0" fill="hold" nodeType="clickEffect">
+                                  <p:stCondLst>
+                                    <p:cond delay="0"/>
+                                  </p:stCondLst>
+                                  <p:childTnLst>
+                                    <p:set>
+                                      <p:cBhvr>
+                                        <p:cTn id="17" dur="1" fill="hold">
+                                          <p:stCondLst>
+                                            <p:cond delay="0"/>
+                                          </p:stCondLst>
+                                        </p:cTn>
+                                        <p:tgtEl>
+                                          <p:spTgt spid="3">
+                                            <p:txEl>
+                                              <p:pRg st="1" end="1"/>
+                                            </p:txEl>
+                                          </p:spTgt>
+                                        </p:tgtEl>
+                                        <p:attrNameLst>
+                                          <p:attrName>style.visibility</p:attrName>
+                                        </p:attrNameLst>
+                                      </p:cBhvr>
+                                      <p:to>
+                                        <p:strVal val="visible"/>
+                                      </p:to>
+                                    </p:set>
+                                    <p:animEffect transition="in" filter="fade">
+                                      <p:cBhvr>
+                                        <p:cTn id="18" dur="500"/>
+                                        <p:tgtEl>
+                                          <p:spTgt spid="3">
+                                            <p:txEl>
+                                              <p:pRg st="1" end="1"/>
+                                            </p:txEl>
+                                          </p:spTgt>
+                                        </p:tgtEl>
+                                      </p:cBhvr>
+                                    </p:animEffect>
+                                  </p:childTnLst>
+                                </p:cTn>
+                              </p:par>
+                            </p:childTnLst>
+                          </p:cTn>
+                        </p:par>
+                      </p:childTnLst>
+                    </p:cTn>
+                  </p:par>
+                  <p:par>
+                    <p:cTn id="19" fill="hold">
+                      <p:stCondLst>
+                        <p:cond delay="indefinite"/>
+                      </p:stCondLst>
+                      <p:childTnLst>
+                        <p:par>
+                          <p:cTn id="20" fill="hold">
+                            <p:stCondLst>
+                              <p:cond delay="0"/>
+                            </p:stCondLst>
+                            <p:childTnLst>
+                              <p:par>
+                                <p:cTn id="21" presetID="10" presetClass="entr" presetSubtype="0" fill="hold" nodeType="clickEffect">
+                                  <p:stCondLst>
+                                    <p:cond delay="0"/>
+                                  </p:stCondLst>
+                                  <p:childTnLst>
+                                    <p:set>
+                                      <p:cBhvr>
+                                        <p:cTn id="22" dur="1" fill="hold">
+                                          <p:stCondLst>
+                                            <p:cond delay="0"/>
+                                          </p:stCondLst>
+                                        </p:cTn>
+                                        <p:tgtEl>
+                                          <p:spTgt spid="3">
+                                            <p:txEl>
+                                              <p:pRg st="4" end="4"/>
+                                            </p:txEl>
+                                          </p:spTgt>
+                                        </p:tgtEl>
+                                        <p:attrNameLst>
+                                          <p:attrName>style.visibility</p:attrName>
+                                        </p:attrNameLst>
+                                      </p:cBhvr>
+                                      <p:to>
+                                        <p:strVal val="visible"/>
+                                      </p:to>
+                                    </p:set>
+                                    <p:animEffect transition="in" filter="fade">
+                                      <p:cBhvr>
+                                        <p:cTn id="23" dur="500"/>
+                                        <p:tgtEl>
+                                          <p:spTgt spid="3">
+                                            <p:txEl>
+                                              <p:pRg st="4" end="4"/>
+                                            </p:txEl>
+                                          </p:spTgt>
+                                        </p:tgtEl>
+                                      </p:cBhvr>
+                                    </p:animEffect>
+                                  </p:childTnLst>
+                                </p:cTn>
+                              </p:par>
+                            </p:childTnLst>
+                          </p:cTn>
+                        </p:par>
+                      </p:childTnLst>
+                    </p:cTn>
+                  </p:par>
+                  <p:par>
+                    <p:cTn id="24" fill="hold">
+                      <p:stCondLst>
+                        <p:cond delay="indefinite"/>
+                      </p:stCondLst>
+                      <p:childTnLst>
+                        <p:par>
+                          <p:cTn id="25" fill="hold">
+                            <p:stCondLst>
+                              <p:cond delay="0"/>
+                            </p:stCondLst>
+                            <p:childTnLst>
+                              <p:par>
+                                <p:cTn id="26" presetID="10" presetClass="entr" presetSubtype="0" fill="hold" nodeType="clickEffect">
+                                  <p:stCondLst>
+                                    <p:cond delay="0"/>
+                                  </p:stCondLst>
+                                  <p:childTnLst>
+                                    <p:set>
+                                      <p:cBhvr>
+                                        <p:cTn id="27" dur="1" fill="hold">
+                                          <p:stCondLst>
+                                            <p:cond delay="0"/>
+                                          </p:stCondLst>
+                                        </p:cTn>
+                                        <p:tgtEl>
+                                          <p:spTgt spid="3">
+                                            <p:txEl>
+                                              <p:pRg st="7" end="7"/>
+                                            </p:txEl>
+                                          </p:spTgt>
+                                        </p:tgtEl>
+                                        <p:attrNameLst>
+                                          <p:attrName>style.visibility</p:attrName>
+                                        </p:attrNameLst>
+                                      </p:cBhvr>
+                                      <p:to>
+                                        <p:strVal val="visible"/>
+                                      </p:to>
+                                    </p:set>
+                                    <p:animEffect transition="in" filter="fade">
+                                      <p:cBhvr>
+                                        <p:cTn id="28" dur="500"/>
+                                        <p:tgtEl>
+                                          <p:spTgt spid="3">
+                                            <p:txEl>
+                                              <p:pRg st="7" end="7"/>
+                                            </p:txEl>
+                                          </p:spTgt>
+                                        </p:tgtEl>
+                                      </p:cBhvr>
+                                    </p:animEffect>
+                                  </p:childTnLst>
+                                </p:cTn>
+                              </p:par>
+                            </p:childTnLst>
+                          </p:cTn>
+                        </p:par>
+                      </p:childTnLst>
+                    </p:cTn>
+                  </p:par>
+                </p:childTnLst>
+              </p:cTn>
+              <p:prevCondLst>
+                <p:cond evt="onPrev" delay="0">
+                  <p:tgtEl>
+                    <p:sldTgt/>
+                  </p:tgtEl>
+                </p:cond>
+              </p:prevCondLst>
+              <p:nextCondLst>
+                <p:cond evt="onNext" delay="0">
+                  <p:tgtEl>
+                    <p:sldTgt/>
+                  </p:tgtEl>
+                </p:cond>
+              </p:nextCondLst>
+            </p:seq>
+          </p:childTnLst>
+        </p:cTn>
+      </p:par>
+    </p:tnLst>
+  </p:timing>
+</p:sld>
+</file>
+
+<file path=ppt/slides/slide6.xml><?xml version="1.0" encoding="utf-8"?>
+<p:sld xmlns:a="http://schemas.openxmlformats.org/drawingml/2006/main" xmlns:r="http://schemas.openxmlformats.org/officeDocument/2006/relationships" xmlns:p="http://schemas.openxmlformats.org/presentationml/2006/main">
+  <p:cSld>
+    <p:spTree>
+      <p:nvGrpSpPr>
+        <p:cNvPr id="1" name="">
+          <a:extLst>
+            <a:ext uri="{FF2B5EF4-FFF2-40B4-BE49-F238E27FC236}">
               <a16:creationId xmlns:a16="http://schemas.microsoft.com/office/drawing/2014/main" id="{D65D79A0-4685-8077-8C9B-ADF0F2F4A75E}"/>
             </a:ext>
           </a:extLst>
@@ -13324,7 +14726,7 @@
           <a:p>
             <a:fld id="{1A980C56-831A-4EAB-9EDE-57C090F4F877}" type="slidenum">
               <a:rPr lang="en-US" smtClean="0"/>
-              <a:t>5</a:t>
+              <a:t>6</a:t>
             </a:fld>
             <a:endParaRPr lang="en-US" dirty="0"/>
           </a:p>
@@ -13792,7 +15194,7 @@
 </p:sld>
 </file>
 
-<file path=ppt/slides/slide6.xml><?xml version="1.0" encoding="utf-8"?>
+<file path=ppt/slides/slide7.xml><?xml version="1.0" encoding="utf-8"?>
 <p:sld xmlns:a="http://schemas.openxmlformats.org/drawingml/2006/main" xmlns:r="http://schemas.openxmlformats.org/officeDocument/2006/relationships" xmlns:p="http://schemas.openxmlformats.org/presentationml/2006/main">
   <p:cSld>
     <p:spTree>
@@ -13992,7 +15394,7 @@
           <a:p>
             <a:fld id="{1A980C56-831A-4EAB-9EDE-57C090F4F877}" type="slidenum">
               <a:rPr lang="en-US" smtClean="0"/>
-              <a:t>6</a:t>
+              <a:t>7</a:t>
             </a:fld>
             <a:endParaRPr lang="en-US" dirty="0"/>
           </a:p>
@@ -14227,7 +15629,7 @@
 </p:sld>
 </file>
 
-<file path=ppt/slides/slide7.xml><?xml version="1.0" encoding="utf-8"?>
+<file path=ppt/slides/slide8.xml><?xml version="1.0" encoding="utf-8"?>
 <p:sld xmlns:a="http://schemas.openxmlformats.org/drawingml/2006/main" xmlns:r="http://schemas.openxmlformats.org/officeDocument/2006/relationships" xmlns:p="http://schemas.openxmlformats.org/presentationml/2006/main">
   <p:cSld>
     <p:spTree>
@@ -14278,8 +15680,8 @@
           </a:p>
         </p:txBody>
       </p:sp>
-      <mc:AlternateContent xmlns:mc="http://schemas.openxmlformats.org/markup-compatibility/2006">
-        <mc:Choice xmlns:a14="http://schemas.microsoft.com/office/drawing/2010/main" Requires="a14">
+      <mc:AlternateContent xmlns:mc="http://schemas.openxmlformats.org/markup-compatibility/2006" xmlns:a14="http://schemas.microsoft.com/office/drawing/2010/main">
+        <mc:Choice Requires="a14">
           <p:sp>
             <p:nvSpPr>
               <p:cNvPr id="3" name="Content Placeholder 2">
@@ -14349,7 +15751,7 @@
             </p:txBody>
           </p:sp>
         </mc:Choice>
-        <mc:Fallback>
+        <mc:Fallback xmlns="">
           <p:sp>
             <p:nvSpPr>
               <p:cNvPr id="3" name="Content Placeholder 2">
@@ -14469,7 +15871,7 @@
           <a:p>
             <a:fld id="{1A980C56-831A-4EAB-9EDE-57C090F4F877}" type="slidenum">
               <a:rPr lang="en-US" smtClean="0"/>
-              <a:t>7</a:t>
+              <a:t>8</a:t>
             </a:fld>
             <a:endParaRPr lang="en-US" dirty="0"/>
           </a:p>
@@ -14479,356 +15881,6 @@
     <p:extLst>
       <p:ext uri="{BB962C8B-B14F-4D97-AF65-F5344CB8AC3E}">
         <p14:creationId xmlns:p14="http://schemas.microsoft.com/office/powerpoint/2010/main" val="3324776903"/>
-      </p:ext>
-    </p:extLst>
-  </p:cSld>
-  <p:clrMapOvr>
-    <a:masterClrMapping/>
-  </p:clrMapOvr>
-  <p:timing>
-    <p:tnLst>
-      <p:par>
-        <p:cTn id="1" dur="indefinite" restart="never" nodeType="tmRoot">
-          <p:childTnLst>
-            <p:seq concurrent="1" nextAc="seek">
-              <p:cTn id="2" dur="indefinite" nodeType="mainSeq">
-                <p:childTnLst>
-                  <p:par>
-                    <p:cTn id="3" fill="hold">
-                      <p:stCondLst>
-                        <p:cond delay="indefinite"/>
-                        <p:cond evt="onBegin" delay="0">
-                          <p:tn val="2"/>
-                        </p:cond>
-                      </p:stCondLst>
-                      <p:childTnLst>
-                        <p:par>
-                          <p:cTn id="4" fill="hold">
-                            <p:stCondLst>
-                              <p:cond delay="0"/>
-                            </p:stCondLst>
-                            <p:childTnLst>
-                              <p:par>
-                                <p:cTn id="5" presetID="10" presetClass="entr" presetSubtype="0" fill="hold" nodeType="withEffect">
-                                  <p:stCondLst>
-                                    <p:cond delay="0"/>
-                                  </p:stCondLst>
-                                  <p:childTnLst>
-                                    <p:set>
-                                      <p:cBhvr>
-                                        <p:cTn id="6" dur="1" fill="hold">
-                                          <p:stCondLst>
-                                            <p:cond delay="0"/>
-                                          </p:stCondLst>
-                                        </p:cTn>
-                                        <p:tgtEl>
-                                          <p:spTgt spid="3">
-                                            <p:txEl>
-                                              <p:pRg st="0" end="0"/>
-                                            </p:txEl>
-                                          </p:spTgt>
-                                        </p:tgtEl>
-                                        <p:attrNameLst>
-                                          <p:attrName>style.visibility</p:attrName>
-                                        </p:attrNameLst>
-                                      </p:cBhvr>
-                                      <p:to>
-                                        <p:strVal val="visible"/>
-                                      </p:to>
-                                    </p:set>
-                                    <p:animEffect transition="in" filter="fade">
-                                      <p:cBhvr>
-                                        <p:cTn id="7" dur="500"/>
-                                        <p:tgtEl>
-                                          <p:spTgt spid="3">
-                                            <p:txEl>
-                                              <p:pRg st="0" end="0"/>
-                                            </p:txEl>
-                                          </p:spTgt>
-                                        </p:tgtEl>
-                                      </p:cBhvr>
-                                    </p:animEffect>
-                                  </p:childTnLst>
-                                </p:cTn>
-                              </p:par>
-                            </p:childTnLst>
-                          </p:cTn>
-                        </p:par>
-                      </p:childTnLst>
-                    </p:cTn>
-                  </p:par>
-                  <p:par>
-                    <p:cTn id="8" fill="hold">
-                      <p:stCondLst>
-                        <p:cond delay="indefinite"/>
-                      </p:stCondLst>
-                      <p:childTnLst>
-                        <p:par>
-                          <p:cTn id="9" fill="hold">
-                            <p:stCondLst>
-                              <p:cond delay="0"/>
-                            </p:stCondLst>
-                            <p:childTnLst>
-                              <p:par>
-                                <p:cTn id="10" presetID="10" presetClass="entr" presetSubtype="0" fill="hold" nodeType="clickEffect">
-                                  <p:stCondLst>
-                                    <p:cond delay="0"/>
-                                  </p:stCondLst>
-                                  <p:childTnLst>
-                                    <p:set>
-                                      <p:cBhvr>
-                                        <p:cTn id="11" dur="1" fill="hold">
-                                          <p:stCondLst>
-                                            <p:cond delay="0"/>
-                                          </p:stCondLst>
-                                        </p:cTn>
-                                        <p:tgtEl>
-                                          <p:spTgt spid="3">
-                                            <p:txEl>
-                                              <p:pRg st="2" end="2"/>
-                                            </p:txEl>
-                                          </p:spTgt>
-                                        </p:tgtEl>
-                                        <p:attrNameLst>
-                                          <p:attrName>style.visibility</p:attrName>
-                                        </p:attrNameLst>
-                                      </p:cBhvr>
-                                      <p:to>
-                                        <p:strVal val="visible"/>
-                                      </p:to>
-                                    </p:set>
-                                    <p:animEffect transition="in" filter="fade">
-                                      <p:cBhvr>
-                                        <p:cTn id="12" dur="500"/>
-                                        <p:tgtEl>
-                                          <p:spTgt spid="3">
-                                            <p:txEl>
-                                              <p:pRg st="2" end="2"/>
-                                            </p:txEl>
-                                          </p:spTgt>
-                                        </p:tgtEl>
-                                      </p:cBhvr>
-                                    </p:animEffect>
-                                  </p:childTnLst>
-                                </p:cTn>
-                              </p:par>
-                            </p:childTnLst>
-                          </p:cTn>
-                        </p:par>
-                      </p:childTnLst>
-                    </p:cTn>
-                  </p:par>
-                </p:childTnLst>
-              </p:cTn>
-              <p:prevCondLst>
-                <p:cond evt="onPrev" delay="0">
-                  <p:tgtEl>
-                    <p:sldTgt/>
-                  </p:tgtEl>
-                </p:cond>
-              </p:prevCondLst>
-              <p:nextCondLst>
-                <p:cond evt="onNext" delay="0">
-                  <p:tgtEl>
-                    <p:sldTgt/>
-                  </p:tgtEl>
-                </p:cond>
-              </p:nextCondLst>
-            </p:seq>
-          </p:childTnLst>
-        </p:cTn>
-      </p:par>
-    </p:tnLst>
-  </p:timing>
-</p:sld>
-</file>
-
-<file path=ppt/slides/slide8.xml><?xml version="1.0" encoding="utf-8"?>
-<p:sld xmlns:a="http://schemas.openxmlformats.org/drawingml/2006/main" xmlns:r="http://schemas.openxmlformats.org/officeDocument/2006/relationships" xmlns:p="http://schemas.openxmlformats.org/presentationml/2006/main">
-  <p:cSld>
-    <p:spTree>
-      <p:nvGrpSpPr>
-        <p:cNvPr id="1" name="">
-          <a:extLst>
-            <a:ext uri="{FF2B5EF4-FFF2-40B4-BE49-F238E27FC236}">
-              <a16:creationId xmlns:a16="http://schemas.microsoft.com/office/drawing/2014/main" id="{9733E13E-28F3-4D5A-DF36-39A69CCAEB4A}"/>
-            </a:ext>
-          </a:extLst>
-        </p:cNvPr>
-        <p:cNvGrpSpPr/>
-        <p:nvPr/>
-      </p:nvGrpSpPr>
-      <p:grpSpPr>
-        <a:xfrm>
-          <a:off x="0" y="0"/>
-          <a:ext cx="0" cy="0"/>
-          <a:chOff x="0" y="0"/>
-          <a:chExt cx="0" cy="0"/>
-        </a:xfrm>
-      </p:grpSpPr>
-      <p:sp>
-        <p:nvSpPr>
-          <p:cNvPr id="2" name="Title 1">
-            <a:extLst>
-              <a:ext uri="{FF2B5EF4-FFF2-40B4-BE49-F238E27FC236}">
-                <a16:creationId xmlns:a16="http://schemas.microsoft.com/office/drawing/2014/main" id="{60B257FE-3B29-1F99-2971-18FFAE82A8A9}"/>
-              </a:ext>
-            </a:extLst>
-          </p:cNvPr>
-          <p:cNvSpPr>
-            <a:spLocks noGrp="1"/>
-          </p:cNvSpPr>
-          <p:nvPr>
-            <p:ph type="title"/>
-          </p:nvPr>
-        </p:nvSpPr>
-        <p:spPr/>
-        <p:txBody>
-          <a:bodyPr/>
-          <a:lstStyle/>
-          <a:p>
-            <a:r>
-              <a:rPr lang="en-US" dirty="0"/>
-              <a:t>Problem 2.D.</a:t>
-            </a:r>
-          </a:p>
-        </p:txBody>
-      </p:sp>
-      <p:sp>
-        <p:nvSpPr>
-          <p:cNvPr id="3" name="Content Placeholder 2">
-            <a:extLst>
-              <a:ext uri="{FF2B5EF4-FFF2-40B4-BE49-F238E27FC236}">
-                <a16:creationId xmlns:a16="http://schemas.microsoft.com/office/drawing/2014/main" id="{6E250E9B-6597-B043-FE63-EABA1D1B7D30}"/>
-              </a:ext>
-            </a:extLst>
-          </p:cNvPr>
-          <p:cNvSpPr>
-            <a:spLocks noGrp="1"/>
-          </p:cNvSpPr>
-          <p:nvPr>
-            <p:ph idx="1"/>
-          </p:nvPr>
-        </p:nvSpPr>
-        <p:spPr/>
-        <p:txBody>
-          <a:bodyPr/>
-          <a:lstStyle/>
-          <a:p>
-            <a:r>
-              <a:rPr lang="en-US" dirty="0"/>
-              <a:t>The Philipps curve shows that unemployment and inflation are negatively correlated.</a:t>
-            </a:r>
-          </a:p>
-          <a:p>
-            <a:endParaRPr lang="en-US" sz="500" dirty="0"/>
-          </a:p>
-          <a:p>
-            <a:pPr lvl="1"/>
-            <a:r>
-              <a:rPr lang="en-US" dirty="0">
-                <a:solidFill>
-                  <a:srgbClr val="FF0000"/>
-                </a:solidFill>
-              </a:rPr>
-              <a:t>TRUE</a:t>
-            </a:r>
-          </a:p>
-          <a:p>
-            <a:endParaRPr lang="en-US" dirty="0"/>
-          </a:p>
-        </p:txBody>
-      </p:sp>
-      <p:sp>
-        <p:nvSpPr>
-          <p:cNvPr id="4" name="Date Placeholder 3">
-            <a:extLst>
-              <a:ext uri="{FF2B5EF4-FFF2-40B4-BE49-F238E27FC236}">
-                <a16:creationId xmlns:a16="http://schemas.microsoft.com/office/drawing/2014/main" id="{61C19871-024E-86B5-2C8B-1F8F138832EE}"/>
-              </a:ext>
-            </a:extLst>
-          </p:cNvPr>
-          <p:cNvSpPr>
-            <a:spLocks noGrp="1"/>
-          </p:cNvSpPr>
-          <p:nvPr>
-            <p:ph type="dt" sz="half" idx="10"/>
-          </p:nvPr>
-        </p:nvSpPr>
-        <p:spPr/>
-        <p:txBody>
-          <a:bodyPr/>
-          <a:lstStyle/>
-          <a:p>
-            <a:r>
-              <a:rPr lang="en-US"/>
-              <a:t>Spring 2024</a:t>
-            </a:r>
-            <a:endParaRPr lang="en-US" dirty="0"/>
-          </a:p>
-        </p:txBody>
-      </p:sp>
-      <p:sp>
-        <p:nvSpPr>
-          <p:cNvPr id="5" name="Footer Placeholder 4">
-            <a:extLst>
-              <a:ext uri="{FF2B5EF4-FFF2-40B4-BE49-F238E27FC236}">
-                <a16:creationId xmlns:a16="http://schemas.microsoft.com/office/drawing/2014/main" id="{5BA540FD-CC7D-4EC2-D4FA-83E9A170E791}"/>
-              </a:ext>
-            </a:extLst>
-          </p:cNvPr>
-          <p:cNvSpPr>
-            <a:spLocks noGrp="1"/>
-          </p:cNvSpPr>
-          <p:nvPr>
-            <p:ph type="ftr" sz="quarter" idx="11"/>
-          </p:nvPr>
-        </p:nvSpPr>
-        <p:spPr/>
-        <p:txBody>
-          <a:bodyPr/>
-          <a:lstStyle/>
-          <a:p>
-            <a:r>
-              <a:rPr lang="en-US" dirty="0"/>
-              <a:t>DEPARTMENT OF BUSINESS &amp; ECONOMICS</a:t>
-            </a:r>
-          </a:p>
-        </p:txBody>
-      </p:sp>
-      <p:sp>
-        <p:nvSpPr>
-          <p:cNvPr id="6" name="Slide Number Placeholder 5">
-            <a:extLst>
-              <a:ext uri="{FF2B5EF4-FFF2-40B4-BE49-F238E27FC236}">
-                <a16:creationId xmlns:a16="http://schemas.microsoft.com/office/drawing/2014/main" id="{E479932B-C1EC-1C43-2517-7918AF89A31E}"/>
-              </a:ext>
-            </a:extLst>
-          </p:cNvPr>
-          <p:cNvSpPr>
-            <a:spLocks noGrp="1"/>
-          </p:cNvSpPr>
-          <p:nvPr>
-            <p:ph type="sldNum" sz="quarter" idx="12"/>
-          </p:nvPr>
-        </p:nvSpPr>
-        <p:spPr/>
-        <p:txBody>
-          <a:bodyPr/>
-          <a:lstStyle/>
-          <a:p>
-            <a:fld id="{1A980C56-831A-4EAB-9EDE-57C090F4F877}" type="slidenum">
-              <a:rPr lang="en-US" smtClean="0"/>
-              <a:t>8</a:t>
-            </a:fld>
-            <a:endParaRPr lang="en-US" dirty="0"/>
-          </a:p>
-        </p:txBody>
-      </p:sp>
-    </p:spTree>
-    <p:extLst>
-      <p:ext uri="{BB962C8B-B14F-4D97-AF65-F5344CB8AC3E}">
-        <p14:creationId xmlns:p14="http://schemas.microsoft.com/office/powerpoint/2010/main" val="1687861091"/>
       </p:ext>
     </p:extLst>
   </p:cSld>
@@ -15001,7 +16053,7 @@
         <p:cNvPr id="1" name="">
           <a:extLst>
             <a:ext uri="{FF2B5EF4-FFF2-40B4-BE49-F238E27FC236}">
-              <a16:creationId xmlns:a16="http://schemas.microsoft.com/office/drawing/2014/main" id="{CFBFD6D7-504A-A71B-E113-924A2AF796F2}"/>
+              <a16:creationId xmlns:a16="http://schemas.microsoft.com/office/drawing/2014/main" id="{9733E13E-28F3-4D5A-DF36-39A69CCAEB4A}"/>
             </a:ext>
           </a:extLst>
         </p:cNvPr>
@@ -15021,7 +16073,7 @@
           <p:cNvPr id="2" name="Title 1">
             <a:extLst>
               <a:ext uri="{FF2B5EF4-FFF2-40B4-BE49-F238E27FC236}">
-                <a16:creationId xmlns:a16="http://schemas.microsoft.com/office/drawing/2014/main" id="{26743ECA-97E2-9D6C-5BC9-050724BE8437}"/>
+                <a16:creationId xmlns:a16="http://schemas.microsoft.com/office/drawing/2014/main" id="{60B257FE-3B29-1F99-2971-18FFAE82A8A9}"/>
               </a:ext>
             </a:extLst>
           </p:cNvPr>
@@ -15039,664 +16091,62 @@
           <a:p>
             <a:r>
               <a:rPr lang="en-US" dirty="0"/>
-              <a:t>Problem 3.A.</a:t>
+              <a:t>Problem 2.D.</a:t>
             </a:r>
           </a:p>
         </p:txBody>
       </p:sp>
-      <mc:AlternateContent xmlns:mc="http://schemas.openxmlformats.org/markup-compatibility/2006">
-        <mc:Choice xmlns:a14="http://schemas.microsoft.com/office/drawing/2010/main" Requires="a14">
-          <p:sp>
-            <p:nvSpPr>
-              <p:cNvPr id="3" name="Content Placeholder 2">
-                <a:extLst>
-                  <a:ext uri="{FF2B5EF4-FFF2-40B4-BE49-F238E27FC236}">
-                    <a16:creationId xmlns:a16="http://schemas.microsoft.com/office/drawing/2014/main" id="{FF9DCFEA-CAC2-155E-0646-2A1CFB62CB30}"/>
-                  </a:ext>
-                </a:extLst>
-              </p:cNvPr>
-              <p:cNvSpPr>
-                <a:spLocks noGrp="1"/>
-              </p:cNvSpPr>
-              <p:nvPr>
-                <p:ph idx="1"/>
-              </p:nvPr>
-            </p:nvSpPr>
-            <p:spPr/>
-            <p:txBody>
-              <a:bodyPr>
-                <a:normAutofit/>
-              </a:bodyPr>
-              <a:lstStyle/>
-              <a:p>
-                <a:r>
-                  <a:rPr lang="en-US" dirty="0"/>
-                  <a:t>Using the terms given below, show how one would derive the equilibrium output of the economy.</a:t>
-                </a:r>
-              </a:p>
-              <a:p>
-                <a:endParaRPr lang="en-US" sz="500" dirty="0"/>
-              </a:p>
-              <a:p>
-                <a:pPr lvl="1"/>
-                <a:r>
-                  <a:rPr lang="en-US" sz="2200" dirty="0">
-                    <a:solidFill>
-                      <a:srgbClr val="FF0000"/>
-                    </a:solidFill>
-                  </a:rPr>
-                  <a:t>Start off with the condition for an equilibrium, that output equals demand.</a:t>
-                </a:r>
-              </a:p>
-              <a:p>
-                <a:pPr marL="0" indent="0">
-                  <a:buNone/>
-                </a:pPr>
-                <a:r>
-                  <a:rPr lang="en-US" b="0" dirty="0"/>
-                  <a:t>		</a:t>
-                </a:r>
-                <a14:m>
-                  <m:oMath xmlns:m="http://schemas.openxmlformats.org/officeDocument/2006/math">
-                    <m:r>
-                      <a:rPr lang="en-US" sz="2000" b="0" i="1" smtClean="0">
-                        <a:solidFill>
-                          <a:srgbClr val="FF0000"/>
-                        </a:solidFill>
-                        <a:latin typeface="Cambria Math" panose="02040503050406030204" pitchFamily="18" charset="0"/>
-                      </a:rPr>
-                      <m:t>𝑌</m:t>
-                    </m:r>
-                    <m:r>
-                      <a:rPr lang="en-US" sz="2000" b="0" i="1" smtClean="0">
-                        <a:solidFill>
-                          <a:srgbClr val="FF0000"/>
-                        </a:solidFill>
-                        <a:latin typeface="Cambria Math" panose="02040503050406030204" pitchFamily="18" charset="0"/>
-                      </a:rPr>
-                      <m:t>=</m:t>
-                    </m:r>
-                    <m:r>
-                      <a:rPr lang="en-US" sz="2000" b="0" i="1" smtClean="0">
-                        <a:solidFill>
-                          <a:srgbClr val="FF0000"/>
-                        </a:solidFill>
-                        <a:latin typeface="Cambria Math" panose="02040503050406030204" pitchFamily="18" charset="0"/>
-                      </a:rPr>
-                      <m:t>𝑍</m:t>
-                    </m:r>
-                  </m:oMath>
-                </a14:m>
-                <a:endParaRPr lang="en-US" sz="2000" dirty="0">
-                  <a:solidFill>
-                    <a:srgbClr val="FF0000"/>
-                  </a:solidFill>
-                </a:endParaRPr>
-              </a:p>
-              <a:p>
-                <a:pPr marL="0" indent="0">
-                  <a:buNone/>
-                </a:pPr>
-                <a:r>
-                  <a:rPr lang="en-US" sz="2000" dirty="0">
-                    <a:solidFill>
-                      <a:srgbClr val="FF0000"/>
-                    </a:solidFill>
-                  </a:rPr>
-                  <a:t>		    </a:t>
-                </a:r>
-                <a14:m>
-                  <m:oMath xmlns:m="http://schemas.openxmlformats.org/officeDocument/2006/math">
-                    <m:r>
-                      <a:rPr lang="en-US" sz="2000" i="1">
-                        <a:solidFill>
-                          <a:srgbClr val="FF0000"/>
-                        </a:solidFill>
-                        <a:latin typeface="Cambria Math" panose="02040503050406030204" pitchFamily="18" charset="0"/>
-                      </a:rPr>
-                      <m:t>=</m:t>
-                    </m:r>
-                    <m:r>
-                      <a:rPr lang="en-US" sz="2000" b="0" i="1" smtClean="0">
-                        <a:solidFill>
-                          <a:srgbClr val="FF0000"/>
-                        </a:solidFill>
-                        <a:latin typeface="Cambria Math" panose="02040503050406030204" pitchFamily="18" charset="0"/>
-                      </a:rPr>
-                      <m:t>𝐶</m:t>
-                    </m:r>
-                    <m:r>
-                      <a:rPr lang="en-US" sz="2000" b="0" i="1" smtClean="0">
-                        <a:solidFill>
-                          <a:srgbClr val="FF0000"/>
-                        </a:solidFill>
-                        <a:latin typeface="Cambria Math" panose="02040503050406030204" pitchFamily="18" charset="0"/>
-                      </a:rPr>
-                      <m:t>+</m:t>
-                    </m:r>
-                    <m:r>
-                      <a:rPr lang="en-US" sz="2000" b="0" i="1" smtClean="0">
-                        <a:solidFill>
-                          <a:srgbClr val="FF0000"/>
-                        </a:solidFill>
-                        <a:latin typeface="Cambria Math" panose="02040503050406030204" pitchFamily="18" charset="0"/>
-                      </a:rPr>
-                      <m:t>𝐼</m:t>
-                    </m:r>
-                    <m:r>
-                      <a:rPr lang="en-US" sz="2000" b="0" i="1" smtClean="0">
-                        <a:solidFill>
-                          <a:srgbClr val="FF0000"/>
-                        </a:solidFill>
-                        <a:latin typeface="Cambria Math" panose="02040503050406030204" pitchFamily="18" charset="0"/>
-                      </a:rPr>
-                      <m:t>+</m:t>
-                    </m:r>
-                    <m:r>
-                      <a:rPr lang="en-US" sz="2000" b="0" i="1" smtClean="0">
-                        <a:solidFill>
-                          <a:srgbClr val="FF0000"/>
-                        </a:solidFill>
-                        <a:latin typeface="Cambria Math" panose="02040503050406030204" pitchFamily="18" charset="0"/>
-                      </a:rPr>
-                      <m:t>𝐺</m:t>
-                    </m:r>
-                  </m:oMath>
-                </a14:m>
-                <a:endParaRPr lang="en-US" sz="2000" dirty="0">
-                  <a:solidFill>
-                    <a:srgbClr val="FF0000"/>
-                  </a:solidFill>
-                </a:endParaRPr>
-              </a:p>
-              <a:p>
-                <a:pPr marL="0" indent="0">
-                  <a:buNone/>
-                </a:pPr>
-                <a:r>
-                  <a:rPr lang="en-US" sz="2000" dirty="0">
-                    <a:solidFill>
-                      <a:srgbClr val="FF0000"/>
-                    </a:solidFill>
-                  </a:rPr>
-                  <a:t>		    </a:t>
-                </a:r>
-                <a14:m>
-                  <m:oMath xmlns:m="http://schemas.openxmlformats.org/officeDocument/2006/math">
-                    <m:r>
-                      <a:rPr lang="en-US" sz="2000" i="1">
-                        <a:solidFill>
-                          <a:srgbClr val="FF0000"/>
-                        </a:solidFill>
-                        <a:latin typeface="Cambria Math" panose="02040503050406030204" pitchFamily="18" charset="0"/>
-                      </a:rPr>
-                      <m:t>=</m:t>
-                    </m:r>
-                    <m:d>
-                      <m:dPr>
-                        <m:ctrlPr>
-                          <a:rPr lang="en-US" sz="2000" b="0" i="1" smtClean="0">
-                            <a:solidFill>
-                              <a:srgbClr val="FF0000"/>
-                            </a:solidFill>
-                            <a:latin typeface="Cambria Math" panose="02040503050406030204" pitchFamily="18" charset="0"/>
-                          </a:rPr>
-                        </m:ctrlPr>
-                      </m:dPr>
-                      <m:e>
-                        <m:sSub>
-                          <m:sSubPr>
-                            <m:ctrlPr>
-                              <a:rPr lang="en-US" sz="2000" b="0" i="1" smtClean="0">
-                                <a:solidFill>
-                                  <a:srgbClr val="FF0000"/>
-                                </a:solidFill>
-                                <a:latin typeface="Cambria Math" panose="02040503050406030204" pitchFamily="18" charset="0"/>
-                              </a:rPr>
-                            </m:ctrlPr>
-                          </m:sSubPr>
-                          <m:e>
-                            <m:r>
-                              <a:rPr lang="en-US" sz="2000" b="0" i="1" smtClean="0">
-                                <a:solidFill>
-                                  <a:srgbClr val="FF0000"/>
-                                </a:solidFill>
-                                <a:latin typeface="Cambria Math" panose="02040503050406030204" pitchFamily="18" charset="0"/>
-                              </a:rPr>
-                              <m:t>𝑐</m:t>
-                            </m:r>
-                          </m:e>
-                          <m:sub>
-                            <m:r>
-                              <a:rPr lang="en-US" sz="2000" b="0" i="1" smtClean="0">
-                                <a:solidFill>
-                                  <a:srgbClr val="FF0000"/>
-                                </a:solidFill>
-                                <a:latin typeface="Cambria Math" panose="02040503050406030204" pitchFamily="18" charset="0"/>
-                              </a:rPr>
-                              <m:t>0</m:t>
-                            </m:r>
-                          </m:sub>
-                        </m:sSub>
-                        <m:r>
-                          <a:rPr lang="en-US" sz="2000" b="0" i="1" smtClean="0">
-                            <a:solidFill>
-                              <a:srgbClr val="FF0000"/>
-                            </a:solidFill>
-                            <a:latin typeface="Cambria Math" panose="02040503050406030204" pitchFamily="18" charset="0"/>
-                          </a:rPr>
-                          <m:t>+</m:t>
-                        </m:r>
-                        <m:sSub>
-                          <m:sSubPr>
-                            <m:ctrlPr>
-                              <a:rPr lang="en-US" sz="2000" b="0" i="1" smtClean="0">
-                                <a:solidFill>
-                                  <a:srgbClr val="FF0000"/>
-                                </a:solidFill>
-                                <a:latin typeface="Cambria Math" panose="02040503050406030204" pitchFamily="18" charset="0"/>
-                              </a:rPr>
-                            </m:ctrlPr>
-                          </m:sSubPr>
-                          <m:e>
-                            <m:r>
-                              <a:rPr lang="en-US" sz="2000" b="0" i="1" smtClean="0">
-                                <a:solidFill>
-                                  <a:srgbClr val="FF0000"/>
-                                </a:solidFill>
-                                <a:latin typeface="Cambria Math" panose="02040503050406030204" pitchFamily="18" charset="0"/>
-                              </a:rPr>
-                              <m:t>𝑐</m:t>
-                            </m:r>
-                          </m:e>
-                          <m:sub>
-                            <m:r>
-                              <a:rPr lang="en-US" sz="2000" b="0" i="1" smtClean="0">
-                                <a:solidFill>
-                                  <a:srgbClr val="FF0000"/>
-                                </a:solidFill>
-                                <a:latin typeface="Cambria Math" panose="02040503050406030204" pitchFamily="18" charset="0"/>
-                              </a:rPr>
-                              <m:t>1</m:t>
-                            </m:r>
-                          </m:sub>
-                        </m:sSub>
-                        <m:d>
-                          <m:dPr>
-                            <m:ctrlPr>
-                              <a:rPr lang="en-US" sz="2000" b="0" i="1" smtClean="0">
-                                <a:solidFill>
-                                  <a:srgbClr val="FF0000"/>
-                                </a:solidFill>
-                                <a:latin typeface="Cambria Math" panose="02040503050406030204" pitchFamily="18" charset="0"/>
-                              </a:rPr>
-                            </m:ctrlPr>
-                          </m:dPr>
-                          <m:e>
-                            <m:r>
-                              <a:rPr lang="en-US" sz="2000" b="0" i="1" smtClean="0">
-                                <a:solidFill>
-                                  <a:srgbClr val="FF0000"/>
-                                </a:solidFill>
-                                <a:latin typeface="Cambria Math" panose="02040503050406030204" pitchFamily="18" charset="0"/>
-                              </a:rPr>
-                              <m:t>𝑌</m:t>
-                            </m:r>
-                            <m:r>
-                              <a:rPr lang="en-US" sz="2000" b="0" i="1" smtClean="0">
-                                <a:solidFill>
-                                  <a:srgbClr val="FF0000"/>
-                                </a:solidFill>
-                                <a:latin typeface="Cambria Math" panose="02040503050406030204" pitchFamily="18" charset="0"/>
-                              </a:rPr>
-                              <m:t>−</m:t>
-                            </m:r>
-                            <m:r>
-                              <a:rPr lang="en-US" sz="2000" b="0" i="1" smtClean="0">
-                                <a:solidFill>
-                                  <a:srgbClr val="FF0000"/>
-                                </a:solidFill>
-                                <a:latin typeface="Cambria Math" panose="02040503050406030204" pitchFamily="18" charset="0"/>
-                              </a:rPr>
-                              <m:t>𝑇</m:t>
-                            </m:r>
-                          </m:e>
-                        </m:d>
-                      </m:e>
-                    </m:d>
-                    <m:r>
-                      <a:rPr lang="en-US" sz="2000" i="1">
-                        <a:solidFill>
-                          <a:srgbClr val="FF0000"/>
-                        </a:solidFill>
-                        <a:latin typeface="Cambria Math" panose="02040503050406030204" pitchFamily="18" charset="0"/>
-                      </a:rPr>
-                      <m:t>+</m:t>
-                    </m:r>
-                    <m:acc>
-                      <m:accPr>
-                        <m:chr m:val="̅"/>
-                        <m:ctrlPr>
-                          <a:rPr lang="en-US" sz="2000" b="0" i="1" smtClean="0">
-                            <a:solidFill>
-                              <a:srgbClr val="FF0000"/>
-                            </a:solidFill>
-                            <a:latin typeface="Cambria Math" panose="02040503050406030204" pitchFamily="18" charset="0"/>
-                          </a:rPr>
-                        </m:ctrlPr>
-                      </m:accPr>
-                      <m:e>
-                        <m:r>
-                          <a:rPr lang="en-US" sz="2000" b="0" i="1" smtClean="0">
-                            <a:solidFill>
-                              <a:srgbClr val="FF0000"/>
-                            </a:solidFill>
-                            <a:latin typeface="Cambria Math" panose="02040503050406030204" pitchFamily="18" charset="0"/>
-                          </a:rPr>
-                          <m:t>𝐼</m:t>
-                        </m:r>
-                      </m:e>
-                    </m:acc>
-                    <m:r>
-                      <a:rPr lang="en-US" sz="2000" i="1">
-                        <a:solidFill>
-                          <a:srgbClr val="FF0000"/>
-                        </a:solidFill>
-                        <a:latin typeface="Cambria Math" panose="02040503050406030204" pitchFamily="18" charset="0"/>
-                      </a:rPr>
-                      <m:t>+</m:t>
-                    </m:r>
-                    <m:r>
-                      <a:rPr lang="en-US" sz="2000" i="1">
-                        <a:solidFill>
-                          <a:srgbClr val="FF0000"/>
-                        </a:solidFill>
-                        <a:latin typeface="Cambria Math" panose="02040503050406030204" pitchFamily="18" charset="0"/>
-                      </a:rPr>
-                      <m:t>𝐺</m:t>
-                    </m:r>
-                  </m:oMath>
-                </a14:m>
-                <a:endParaRPr lang="en-US" sz="2000" dirty="0">
-                  <a:solidFill>
-                    <a:srgbClr val="FF0000"/>
-                  </a:solidFill>
-                </a:endParaRPr>
-              </a:p>
-              <a:p>
-                <a:pPr marL="0" indent="0">
-                  <a:buNone/>
-                </a:pPr>
-                <a:r>
-                  <a:rPr lang="en-US" sz="2000" dirty="0">
-                    <a:solidFill>
-                      <a:srgbClr val="FF0000"/>
-                    </a:solidFill>
-                  </a:rPr>
-                  <a:t>		    </a:t>
-                </a:r>
-                <a14:m>
-                  <m:oMath xmlns:m="http://schemas.openxmlformats.org/officeDocument/2006/math">
-                    <m:r>
-                      <a:rPr lang="en-US" sz="2000" i="1">
-                        <a:solidFill>
-                          <a:srgbClr val="FF0000"/>
-                        </a:solidFill>
-                        <a:latin typeface="Cambria Math" panose="02040503050406030204" pitchFamily="18" charset="0"/>
-                      </a:rPr>
-                      <m:t>=</m:t>
-                    </m:r>
-                    <m:sSub>
-                      <m:sSubPr>
-                        <m:ctrlPr>
-                          <a:rPr lang="en-US" sz="2000" b="0" i="1" smtClean="0">
-                            <a:solidFill>
-                              <a:srgbClr val="FF0000"/>
-                            </a:solidFill>
-                            <a:latin typeface="Cambria Math" panose="02040503050406030204" pitchFamily="18" charset="0"/>
-                          </a:rPr>
-                        </m:ctrlPr>
-                      </m:sSubPr>
-                      <m:e>
-                        <m:r>
-                          <a:rPr lang="en-US" sz="2000" b="0" i="1" smtClean="0">
-                            <a:solidFill>
-                              <a:srgbClr val="FF0000"/>
-                            </a:solidFill>
-                            <a:latin typeface="Cambria Math" panose="02040503050406030204" pitchFamily="18" charset="0"/>
-                          </a:rPr>
-                          <m:t>𝑐</m:t>
-                        </m:r>
-                      </m:e>
-                      <m:sub>
-                        <m:r>
-                          <a:rPr lang="en-US" sz="2000" b="0" i="1" smtClean="0">
-                            <a:solidFill>
-                              <a:srgbClr val="FF0000"/>
-                            </a:solidFill>
-                            <a:latin typeface="Cambria Math" panose="02040503050406030204" pitchFamily="18" charset="0"/>
-                          </a:rPr>
-                          <m:t>0</m:t>
-                        </m:r>
-                      </m:sub>
-                    </m:sSub>
-                    <m:r>
-                      <a:rPr lang="en-US" sz="2000" b="0" i="1" smtClean="0">
-                        <a:solidFill>
-                          <a:srgbClr val="FF0000"/>
-                        </a:solidFill>
-                        <a:latin typeface="Cambria Math" panose="02040503050406030204" pitchFamily="18" charset="0"/>
-                      </a:rPr>
-                      <m:t>+</m:t>
-                    </m:r>
-                    <m:sSub>
-                      <m:sSubPr>
-                        <m:ctrlPr>
-                          <a:rPr lang="en-US" sz="2000" b="0" i="1" smtClean="0">
-                            <a:solidFill>
-                              <a:srgbClr val="FF0000"/>
-                            </a:solidFill>
-                            <a:latin typeface="Cambria Math" panose="02040503050406030204" pitchFamily="18" charset="0"/>
-                          </a:rPr>
-                        </m:ctrlPr>
-                      </m:sSubPr>
-                      <m:e>
-                        <m:r>
-                          <a:rPr lang="en-US" sz="2000" b="0" i="1" smtClean="0">
-                            <a:solidFill>
-                              <a:srgbClr val="FF0000"/>
-                            </a:solidFill>
-                            <a:latin typeface="Cambria Math" panose="02040503050406030204" pitchFamily="18" charset="0"/>
-                          </a:rPr>
-                          <m:t>𝑐</m:t>
-                        </m:r>
-                      </m:e>
-                      <m:sub>
-                        <m:r>
-                          <a:rPr lang="en-US" sz="2000" b="0" i="1" smtClean="0">
-                            <a:solidFill>
-                              <a:srgbClr val="FF0000"/>
-                            </a:solidFill>
-                            <a:latin typeface="Cambria Math" panose="02040503050406030204" pitchFamily="18" charset="0"/>
-                          </a:rPr>
-                          <m:t>1</m:t>
-                        </m:r>
-                      </m:sub>
-                    </m:sSub>
-                    <m:r>
-                      <a:rPr lang="en-US" sz="2000" b="0" i="1" smtClean="0">
-                        <a:solidFill>
-                          <a:srgbClr val="FF0000"/>
-                        </a:solidFill>
-                        <a:latin typeface="Cambria Math" panose="02040503050406030204" pitchFamily="18" charset="0"/>
-                      </a:rPr>
-                      <m:t>𝑌</m:t>
-                    </m:r>
-                    <m:r>
-                      <a:rPr lang="en-US" sz="2000" b="0" i="1" smtClean="0">
-                        <a:solidFill>
-                          <a:srgbClr val="FF0000"/>
-                        </a:solidFill>
-                        <a:latin typeface="Cambria Math" panose="02040503050406030204" pitchFamily="18" charset="0"/>
-                      </a:rPr>
-                      <m:t>−</m:t>
-                    </m:r>
-                    <m:sSub>
-                      <m:sSubPr>
-                        <m:ctrlPr>
-                          <a:rPr lang="en-US" sz="2000" b="0" i="1" smtClean="0">
-                            <a:solidFill>
-                              <a:srgbClr val="FF0000"/>
-                            </a:solidFill>
-                            <a:latin typeface="Cambria Math" panose="02040503050406030204" pitchFamily="18" charset="0"/>
-                          </a:rPr>
-                        </m:ctrlPr>
-                      </m:sSubPr>
-                      <m:e>
-                        <m:r>
-                          <a:rPr lang="en-US" sz="2000" b="0" i="1" smtClean="0">
-                            <a:solidFill>
-                              <a:srgbClr val="FF0000"/>
-                            </a:solidFill>
-                            <a:latin typeface="Cambria Math" panose="02040503050406030204" pitchFamily="18" charset="0"/>
-                          </a:rPr>
-                          <m:t>𝑐</m:t>
-                        </m:r>
-                      </m:e>
-                      <m:sub>
-                        <m:r>
-                          <a:rPr lang="en-US" sz="2000" b="0" i="1" smtClean="0">
-                            <a:solidFill>
-                              <a:srgbClr val="FF0000"/>
-                            </a:solidFill>
-                            <a:latin typeface="Cambria Math" panose="02040503050406030204" pitchFamily="18" charset="0"/>
-                          </a:rPr>
-                          <m:t>1</m:t>
-                        </m:r>
-                      </m:sub>
-                    </m:sSub>
-                    <m:r>
-                      <a:rPr lang="en-US" sz="2000" b="0" i="1" smtClean="0">
-                        <a:solidFill>
-                          <a:srgbClr val="FF0000"/>
-                        </a:solidFill>
-                        <a:latin typeface="Cambria Math" panose="02040503050406030204" pitchFamily="18" charset="0"/>
-                      </a:rPr>
-                      <m:t>𝑇</m:t>
-                    </m:r>
-                    <m:r>
-                      <a:rPr lang="en-US" sz="2000" i="1">
-                        <a:solidFill>
-                          <a:srgbClr val="FF0000"/>
-                        </a:solidFill>
-                        <a:latin typeface="Cambria Math" panose="02040503050406030204" pitchFamily="18" charset="0"/>
-                      </a:rPr>
-                      <m:t>+</m:t>
-                    </m:r>
-                    <m:acc>
-                      <m:accPr>
-                        <m:chr m:val="̅"/>
-                        <m:ctrlPr>
-                          <a:rPr lang="en-US" sz="2000" i="1">
-                            <a:solidFill>
-                              <a:srgbClr val="FF0000"/>
-                            </a:solidFill>
-                            <a:latin typeface="Cambria Math" panose="02040503050406030204" pitchFamily="18" charset="0"/>
-                          </a:rPr>
-                        </m:ctrlPr>
-                      </m:accPr>
-                      <m:e>
-                        <m:r>
-                          <a:rPr lang="en-US" sz="2000" i="1">
-                            <a:solidFill>
-                              <a:srgbClr val="FF0000"/>
-                            </a:solidFill>
-                            <a:latin typeface="Cambria Math" panose="02040503050406030204" pitchFamily="18" charset="0"/>
-                          </a:rPr>
-                          <m:t>𝐼</m:t>
-                        </m:r>
-                      </m:e>
-                    </m:acc>
-                    <m:r>
-                      <a:rPr lang="en-US" sz="2000" i="1">
-                        <a:solidFill>
-                          <a:srgbClr val="FF0000"/>
-                        </a:solidFill>
-                        <a:latin typeface="Cambria Math" panose="02040503050406030204" pitchFamily="18" charset="0"/>
-                      </a:rPr>
-                      <m:t>+</m:t>
-                    </m:r>
-                    <m:r>
-                      <a:rPr lang="en-US" sz="2000" i="1">
-                        <a:solidFill>
-                          <a:srgbClr val="FF0000"/>
-                        </a:solidFill>
-                        <a:latin typeface="Cambria Math" panose="02040503050406030204" pitchFamily="18" charset="0"/>
-                      </a:rPr>
-                      <m:t>𝐺</m:t>
-                    </m:r>
-                  </m:oMath>
-                </a14:m>
-                <a:endParaRPr lang="en-US" sz="1800" dirty="0"/>
-              </a:p>
-              <a:p>
-                <a:pPr marL="0" indent="0">
-                  <a:buNone/>
-                </a:pPr>
-                <a:endParaRPr lang="en-US" sz="1800" dirty="0"/>
-              </a:p>
-              <a:p>
-                <a:endParaRPr lang="en-US" dirty="0"/>
-              </a:p>
-            </p:txBody>
-          </p:sp>
-        </mc:Choice>
-        <mc:Fallback>
-          <p:sp>
-            <p:nvSpPr>
-              <p:cNvPr id="3" name="Content Placeholder 2">
-                <a:extLst>
-                  <a:ext uri="{FF2B5EF4-FFF2-40B4-BE49-F238E27FC236}">
-                    <a16:creationId xmlns:a16="http://schemas.microsoft.com/office/drawing/2014/main" id="{FF9DCFEA-CAC2-155E-0646-2A1CFB62CB30}"/>
-                  </a:ext>
-                </a:extLst>
-              </p:cNvPr>
-              <p:cNvSpPr>
-                <a:spLocks noGrp="1" noRot="1" noChangeAspect="1" noMove="1" noResize="1" noEditPoints="1" noAdjustHandles="1" noChangeArrowheads="1" noChangeShapeType="1" noTextEdit="1"/>
-              </p:cNvSpPr>
-              <p:nvPr>
-                <p:ph idx="1"/>
-              </p:nvPr>
-            </p:nvSpPr>
-            <p:spPr>
-              <a:blipFill>
-                <a:blip r:embed="rId2"/>
-                <a:stretch>
-                  <a:fillRect l="-1005" t="-1821"/>
-                </a:stretch>
-              </a:blipFill>
-            </p:spPr>
-            <p:txBody>
-              <a:bodyPr/>
-              <a:lstStyle/>
-              <a:p>
-                <a:r>
-                  <a:rPr lang="en-US">
-                    <a:noFill/>
-                  </a:rPr>
-                  <a:t> </a:t>
-                </a:r>
-              </a:p>
-            </p:txBody>
-          </p:sp>
-        </mc:Fallback>
-      </mc:AlternateContent>
+      <p:sp>
+        <p:nvSpPr>
+          <p:cNvPr id="3" name="Content Placeholder 2">
+            <a:extLst>
+              <a:ext uri="{FF2B5EF4-FFF2-40B4-BE49-F238E27FC236}">
+                <a16:creationId xmlns:a16="http://schemas.microsoft.com/office/drawing/2014/main" id="{6E250E9B-6597-B043-FE63-EABA1D1B7D30}"/>
+              </a:ext>
+            </a:extLst>
+          </p:cNvPr>
+          <p:cNvSpPr>
+            <a:spLocks noGrp="1"/>
+          </p:cNvSpPr>
+          <p:nvPr>
+            <p:ph idx="1"/>
+          </p:nvPr>
+        </p:nvSpPr>
+        <p:spPr/>
+        <p:txBody>
+          <a:bodyPr/>
+          <a:lstStyle/>
+          <a:p>
+            <a:r>
+              <a:rPr lang="en-US" dirty="0"/>
+              <a:t>The Philipps curve shows that unemployment and inflation are negatively correlated.</a:t>
+            </a:r>
+          </a:p>
+          <a:p>
+            <a:endParaRPr lang="en-US" sz="500" dirty="0"/>
+          </a:p>
+          <a:p>
+            <a:pPr lvl="1"/>
+            <a:r>
+              <a:rPr lang="en-US" dirty="0">
+                <a:solidFill>
+                  <a:srgbClr val="FF0000"/>
+                </a:solidFill>
+              </a:rPr>
+              <a:t>TRUE</a:t>
+            </a:r>
+          </a:p>
+          <a:p>
+            <a:endParaRPr lang="en-US" dirty="0"/>
+          </a:p>
+        </p:txBody>
+      </p:sp>
       <p:sp>
         <p:nvSpPr>
           <p:cNvPr id="4" name="Date Placeholder 3">
             <a:extLst>
               <a:ext uri="{FF2B5EF4-FFF2-40B4-BE49-F238E27FC236}">
-                <a16:creationId xmlns:a16="http://schemas.microsoft.com/office/drawing/2014/main" id="{9C6B8036-BE05-BFB4-D4D5-A80BE3E37EAC}"/>
+                <a16:creationId xmlns:a16="http://schemas.microsoft.com/office/drawing/2014/main" id="{61C19871-024E-86B5-2C8B-1F8F138832EE}"/>
               </a:ext>
             </a:extLst>
           </p:cNvPr>
@@ -15725,7 +16175,7 @@
           <p:cNvPr id="5" name="Footer Placeholder 4">
             <a:extLst>
               <a:ext uri="{FF2B5EF4-FFF2-40B4-BE49-F238E27FC236}">
-                <a16:creationId xmlns:a16="http://schemas.microsoft.com/office/drawing/2014/main" id="{786BCEF9-75B0-399A-2229-4241C6462B6D}"/>
+                <a16:creationId xmlns:a16="http://schemas.microsoft.com/office/drawing/2014/main" id="{5BA540FD-CC7D-4EC2-D4FA-83E9A170E791}"/>
               </a:ext>
             </a:extLst>
           </p:cNvPr>
@@ -15753,7 +16203,7 @@
           <p:cNvPr id="6" name="Slide Number Placeholder 5">
             <a:extLst>
               <a:ext uri="{FF2B5EF4-FFF2-40B4-BE49-F238E27FC236}">
-                <a16:creationId xmlns:a16="http://schemas.microsoft.com/office/drawing/2014/main" id="{9B29C02A-12F7-DD18-E2B1-ECD804EAA3C3}"/>
+                <a16:creationId xmlns:a16="http://schemas.microsoft.com/office/drawing/2014/main" id="{E479932B-C1EC-1C43-2517-7918AF89A31E}"/>
               </a:ext>
             </a:extLst>
           </p:cNvPr>
@@ -15780,7 +16230,7 @@
     </p:spTree>
     <p:extLst>
       <p:ext uri="{BB962C8B-B14F-4D97-AF65-F5344CB8AC3E}">
-        <p14:creationId xmlns:p14="http://schemas.microsoft.com/office/powerpoint/2010/main" val="508923863"/>
+        <p14:creationId xmlns:p14="http://schemas.microsoft.com/office/powerpoint/2010/main" val="1687861091"/>
       </p:ext>
     </p:extLst>
   </p:cSld>
@@ -15906,250 +16356,6 @@
                                           <p:spTgt spid="3">
                                             <p:txEl>
                                               <p:pRg st="2" end="2"/>
-                                            </p:txEl>
-                                          </p:spTgt>
-                                        </p:tgtEl>
-                                      </p:cBhvr>
-                                    </p:animEffect>
-                                  </p:childTnLst>
-                                </p:cTn>
-                              </p:par>
-                            </p:childTnLst>
-                          </p:cTn>
-                        </p:par>
-                      </p:childTnLst>
-                    </p:cTn>
-                  </p:par>
-                  <p:par>
-                    <p:cTn id="13" fill="hold">
-                      <p:stCondLst>
-                        <p:cond delay="indefinite"/>
-                      </p:stCondLst>
-                      <p:childTnLst>
-                        <p:par>
-                          <p:cTn id="14" fill="hold">
-                            <p:stCondLst>
-                              <p:cond delay="0"/>
-                            </p:stCondLst>
-                            <p:childTnLst>
-                              <p:par>
-                                <p:cTn id="15" presetID="10" presetClass="entr" presetSubtype="0" fill="hold" nodeType="clickEffect">
-                                  <p:stCondLst>
-                                    <p:cond delay="0"/>
-                                  </p:stCondLst>
-                                  <p:childTnLst>
-                                    <p:set>
-                                      <p:cBhvr>
-                                        <p:cTn id="16" dur="1" fill="hold">
-                                          <p:stCondLst>
-                                            <p:cond delay="0"/>
-                                          </p:stCondLst>
-                                        </p:cTn>
-                                        <p:tgtEl>
-                                          <p:spTgt spid="3">
-                                            <p:txEl>
-                                              <p:pRg st="3" end="3"/>
-                                            </p:txEl>
-                                          </p:spTgt>
-                                        </p:tgtEl>
-                                        <p:attrNameLst>
-                                          <p:attrName>style.visibility</p:attrName>
-                                        </p:attrNameLst>
-                                      </p:cBhvr>
-                                      <p:to>
-                                        <p:strVal val="visible"/>
-                                      </p:to>
-                                    </p:set>
-                                    <p:animEffect transition="in" filter="fade">
-                                      <p:cBhvr>
-                                        <p:cTn id="17" dur="500"/>
-                                        <p:tgtEl>
-                                          <p:spTgt spid="3">
-                                            <p:txEl>
-                                              <p:pRg st="3" end="3"/>
-                                            </p:txEl>
-                                          </p:spTgt>
-                                        </p:tgtEl>
-                                      </p:cBhvr>
-                                    </p:animEffect>
-                                  </p:childTnLst>
-                                </p:cTn>
-                              </p:par>
-                            </p:childTnLst>
-                          </p:cTn>
-                        </p:par>
-                      </p:childTnLst>
-                    </p:cTn>
-                  </p:par>
-                  <p:par>
-                    <p:cTn id="18" fill="hold">
-                      <p:stCondLst>
-                        <p:cond delay="indefinite"/>
-                      </p:stCondLst>
-                      <p:childTnLst>
-                        <p:par>
-                          <p:cTn id="19" fill="hold">
-                            <p:stCondLst>
-                              <p:cond delay="0"/>
-                            </p:stCondLst>
-                            <p:childTnLst>
-                              <p:par>
-                                <p:cTn id="20" presetID="10" presetClass="entr" presetSubtype="0" fill="hold" nodeType="clickEffect">
-                                  <p:stCondLst>
-                                    <p:cond delay="0"/>
-                                  </p:stCondLst>
-                                  <p:childTnLst>
-                                    <p:set>
-                                      <p:cBhvr>
-                                        <p:cTn id="21" dur="1" fill="hold">
-                                          <p:stCondLst>
-                                            <p:cond delay="0"/>
-                                          </p:stCondLst>
-                                        </p:cTn>
-                                        <p:tgtEl>
-                                          <p:spTgt spid="3">
-                                            <p:txEl>
-                                              <p:pRg st="4" end="4"/>
-                                            </p:txEl>
-                                          </p:spTgt>
-                                        </p:tgtEl>
-                                        <p:attrNameLst>
-                                          <p:attrName>style.visibility</p:attrName>
-                                        </p:attrNameLst>
-                                      </p:cBhvr>
-                                      <p:to>
-                                        <p:strVal val="visible"/>
-                                      </p:to>
-                                    </p:set>
-                                    <p:animEffect transition="in" filter="fade">
-                                      <p:cBhvr>
-                                        <p:cTn id="22" dur="500"/>
-                                        <p:tgtEl>
-                                          <p:spTgt spid="3">
-                                            <p:txEl>
-                                              <p:pRg st="4" end="4"/>
-                                            </p:txEl>
-                                          </p:spTgt>
-                                        </p:tgtEl>
-                                      </p:cBhvr>
-                                    </p:animEffect>
-                                  </p:childTnLst>
-                                </p:cTn>
-                              </p:par>
-                            </p:childTnLst>
-                          </p:cTn>
-                        </p:par>
-                      </p:childTnLst>
-                    </p:cTn>
-                  </p:par>
-                  <p:par>
-                    <p:cTn id="23" fill="hold">
-                      <p:stCondLst>
-                        <p:cond delay="indefinite"/>
-                      </p:stCondLst>
-                      <p:childTnLst>
-                        <p:par>
-                          <p:cTn id="24" fill="hold">
-                            <p:stCondLst>
-                              <p:cond delay="0"/>
-                            </p:stCondLst>
-                            <p:childTnLst>
-                              <p:par>
-                                <p:cTn id="25" presetID="10" presetClass="entr" presetSubtype="0" fill="hold" nodeType="clickEffect">
-                                  <p:stCondLst>
-                                    <p:cond delay="0"/>
-                                  </p:stCondLst>
-                                  <p:childTnLst>
-                                    <p:set>
-                                      <p:cBhvr>
-                                        <p:cTn id="26" dur="1" fill="hold">
-                                          <p:stCondLst>
-                                            <p:cond delay="0"/>
-                                          </p:stCondLst>
-                                        </p:cTn>
-                                        <p:tgtEl>
-                                          <p:spTgt spid="3">
-                                            <p:txEl>
-                                              <p:pRg st="5" end="5"/>
-                                            </p:txEl>
-                                          </p:spTgt>
-                                        </p:tgtEl>
-                                        <p:attrNameLst>
-                                          <p:attrName>style.visibility</p:attrName>
-                                        </p:attrNameLst>
-                                      </p:cBhvr>
-                                      <p:to>
-                                        <p:strVal val="visible"/>
-                                      </p:to>
-                                    </p:set>
-                                    <p:animEffect transition="in" filter="fade">
-                                      <p:cBhvr>
-                                        <p:cTn id="27" dur="500"/>
-                                        <p:tgtEl>
-                                          <p:spTgt spid="3">
-                                            <p:txEl>
-                                              <p:pRg st="5" end="5"/>
-                                            </p:txEl>
-                                          </p:spTgt>
-                                        </p:tgtEl>
-                                      </p:cBhvr>
-                                    </p:animEffect>
-                                  </p:childTnLst>
-                                </p:cTn>
-                              </p:par>
-                            </p:childTnLst>
-                          </p:cTn>
-                        </p:par>
-                      </p:childTnLst>
-                    </p:cTn>
-                  </p:par>
-                  <p:par>
-                    <p:cTn id="28" fill="hold">
-                      <p:stCondLst>
-                        <p:cond delay="indefinite"/>
-                      </p:stCondLst>
-                      <p:childTnLst>
-                        <p:par>
-                          <p:cTn id="29" fill="hold">
-                            <p:stCondLst>
-                              <p:cond delay="0"/>
-                            </p:stCondLst>
-                            <p:childTnLst>
-                              <p:par>
-                                <p:cTn id="30" presetID="10" presetClass="entr" presetSubtype="0" fill="hold" nodeType="clickEffect">
-                                  <p:stCondLst>
-                                    <p:cond delay="0"/>
-                                  </p:stCondLst>
-                                  <p:childTnLst>
-                                    <p:set>
-                                      <p:cBhvr>
-                                        <p:cTn id="31" dur="1" fill="hold">
-                                          <p:stCondLst>
-                                            <p:cond delay="0"/>
-                                          </p:stCondLst>
-                                        </p:cTn>
-                                        <p:tgtEl>
-                                          <p:spTgt spid="3">
-                                            <p:txEl>
-                                              <p:pRg st="6" end="6"/>
-                                            </p:txEl>
-                                          </p:spTgt>
-                                        </p:tgtEl>
-                                        <p:attrNameLst>
-                                          <p:attrName>style.visibility</p:attrName>
-                                        </p:attrNameLst>
-                                      </p:cBhvr>
-                                      <p:to>
-                                        <p:strVal val="visible"/>
-                                      </p:to>
-                                    </p:set>
-                                    <p:animEffect transition="in" filter="fade">
-                                      <p:cBhvr>
-                                        <p:cTn id="32" dur="500"/>
-                                        <p:tgtEl>
-                                          <p:spTgt spid="3">
-                                            <p:txEl>
-                                              <p:pRg st="6" end="6"/>
                                             </p:txEl>
                                           </p:spTgt>
                                         </p:tgtEl>
